--- a/translations/en-us/RobotGame/SavingTime.pptx
+++ b/translations/en-us/RobotGame/SavingTime.pptx
@@ -11,10 +11,10 @@
     <p:sldMasterId id="2147483907" r:id="rId7"/>
   </p:sldMasterIdLst>
   <p:notesMasterIdLst>
-    <p:notesMasterId r:id="rId15"/>
+    <p:notesMasterId r:id="rId16"/>
   </p:notesMasterIdLst>
   <p:handoutMasterIdLst>
-    <p:handoutMasterId r:id="rId16"/>
+    <p:handoutMasterId r:id="rId17"/>
   </p:handoutMasterIdLst>
   <p:sldIdLst>
     <p:sldId id="289" r:id="rId8"/>
@@ -23,7 +23,8 @@
     <p:sldId id="319" r:id="rId11"/>
     <p:sldId id="334" r:id="rId12"/>
     <p:sldId id="335" r:id="rId13"/>
-    <p:sldId id="274" r:id="rId14"/>
+    <p:sldId id="336" r:id="rId14"/>
+    <p:sldId id="274" r:id="rId15"/>
   </p:sldIdLst>
   <p:sldSz cx="9144000" cy="6858000" type="screen4x3"/>
   <p:notesSz cx="6858000" cy="9144000"/>
@@ -223,7 +224,7 @@
           <a:p>
             <a:fld id="{E354B44E-40A3-0E46-B16A-9BF1250A248B}" type="datetimeFigureOut">
               <a:rPr lang="en-US" smtClean="0"/>
-              <a:t>9/26/18</a:t>
+              <a:t>5/29/23</a:t>
             </a:fld>
             <a:endParaRPr lang="en-US"/>
           </a:p>
@@ -389,7 +390,7 @@
           <a:p>
             <a:fld id="{C86AD16C-2DB4-6642-BAD4-9ED973A087A0}" type="datetimeFigureOut">
               <a:rPr lang="en-US" smtClean="0"/>
-              <a:t>9/26/18</a:t>
+              <a:t>5/29/23</a:t>
             </a:fld>
             <a:endParaRPr lang="en-US"/>
           </a:p>
@@ -806,7 +807,7 @@
           <a:p>
             <a:fld id="{1E5BF589-3978-3C45-966B-D7B7A71F2A02}" type="slidenum">
               <a:rPr lang="en-US" smtClean="0"/>
-              <a:t>7</a:t>
+              <a:t>8</a:t>
             </a:fld>
             <a:endParaRPr lang="en-US"/>
           </a:p>
@@ -1016,9 +1017,9 @@
           <a:bodyPr/>
           <a:lstStyle/>
           <a:p>
-            <a:fld id="{057BF5A1-9290-EA43-A9D9-427C60F85ED2}" type="datetime1">
+            <a:fld id="{B21B121E-158B-2547-91CF-06B0595D39DA}" type="datetime1">
               <a:rPr lang="en-US" smtClean="0"/>
-              <a:t>9/26/18</a:t>
+              <a:t>5/29/23</a:t>
             </a:fld>
             <a:endParaRPr lang="en-US"/>
           </a:p>
@@ -1041,7 +1042,7 @@
           <a:p>
             <a:r>
               <a:rPr lang="en-US"/>
-              <a:t>© 2018, FLL Tutorials, Last Edit 9/24/2018</a:t>
+              <a:t>© 2023, FLL Tutorials, Last Edit 5/29/2023</a:t>
             </a:r>
           </a:p>
         </p:txBody>
@@ -1612,9 +1613,9 @@
           <a:bodyPr/>
           <a:lstStyle/>
           <a:p>
-            <a:fld id="{C7922AB6-A869-AB4F-BFA2-905CAA0ABA43}" type="datetime1">
+            <a:fld id="{C6526627-E632-4043-BB8C-29C1F0F7BA82}" type="datetime1">
               <a:rPr lang="en-US" smtClean="0"/>
-              <a:t>9/26/18</a:t>
+              <a:t>5/29/23</a:t>
             </a:fld>
             <a:endParaRPr lang="en-US"/>
           </a:p>
@@ -1637,7 +1638,7 @@
           <a:p>
             <a:r>
               <a:rPr lang="en-US"/>
-              <a:t>© 2018, FLL Tutorials, Last Edit 9/24/2018</a:t>
+              <a:t>© 2023, FLL Tutorials, Last Edit 5/29/2023</a:t>
             </a:r>
           </a:p>
         </p:txBody>
@@ -1793,9 +1794,9 @@
           <a:bodyPr/>
           <a:lstStyle/>
           <a:p>
-            <a:fld id="{4E5B665A-83DF-0744-994D-60BC47055649}" type="datetime1">
+            <a:fld id="{6C713DAB-66B0-ED43-9720-0720E7DCA471}" type="datetime1">
               <a:rPr lang="en-US" smtClean="0"/>
-              <a:t>9/26/18</a:t>
+              <a:t>5/29/23</a:t>
             </a:fld>
             <a:endParaRPr lang="en-US"/>
           </a:p>
@@ -1818,7 +1819,7 @@
           <a:p>
             <a:r>
               <a:rPr lang="en-US"/>
-              <a:t>© 2018, FLL Tutorials, Last Edit 9/24/2018</a:t>
+              <a:t>© 2023, FLL Tutorials, Last Edit 5/29/2023</a:t>
             </a:r>
           </a:p>
         </p:txBody>
@@ -2009,9 +2010,9 @@
           <a:bodyPr/>
           <a:lstStyle/>
           <a:p>
-            <a:fld id="{C0128B94-9850-AE40-B94E-0C1865F8B3F5}" type="datetime1">
+            <a:fld id="{353743E3-73E5-9544-B67E-A3867C52579C}" type="datetime1">
               <a:rPr lang="en-US" smtClean="0"/>
-              <a:t>9/26/18</a:t>
+              <a:t>5/29/23</a:t>
             </a:fld>
             <a:endParaRPr lang="en-US"/>
           </a:p>
@@ -2039,7 +2040,7 @@
           <a:p>
             <a:r>
               <a:rPr lang="en-US"/>
-              <a:t>© 2018, FLL Tutorials, Last Edit 9/24/2018</a:t>
+              <a:t>© 2023, FLL Tutorials, Last Edit 5/29/2023</a:t>
             </a:r>
           </a:p>
         </p:txBody>
@@ -2229,7 +2230,7 @@
           <a:noFill/>
           <a:extLst>
             <a:ext uri="{909E8E84-426E-40dd-AFC4-6F175D3DCCD1}">
-              <a14:hiddenFill xmlns:a14="http://schemas.microsoft.com/office/drawing/2010/main" xmlns="">
+              <a14:hiddenFill xmlns="" xmlns:a14="http://schemas.microsoft.com/office/drawing/2010/main">
                 <a:solidFill>
                   <a:srgbClr val="FFFFFF"/>
                 </a:solidFill>
@@ -2853,9 +2854,9 @@
           <a:bodyPr/>
           <a:lstStyle/>
           <a:p>
-            <a:fld id="{C981BF21-50B8-7541-90A2-C15740EE5378}" type="datetime1">
+            <a:fld id="{755AB9A0-2FF4-8F44-8A26-895E4EE63817}" type="datetime1">
               <a:rPr lang="en-US" smtClean="0"/>
-              <a:t>9/26/18</a:t>
+              <a:t>5/29/23</a:t>
             </a:fld>
             <a:endParaRPr lang="en-US"/>
           </a:p>
@@ -2878,7 +2879,7 @@
           <a:p>
             <a:r>
               <a:rPr lang="en-US"/>
-              <a:t>© 2018, FLL Tutorials, Last Edit 9/24/2018</a:t>
+              <a:t>© 2023, FLL Tutorials, Last Edit 5/29/2023</a:t>
             </a:r>
           </a:p>
         </p:txBody>
@@ -3118,9 +3119,9 @@
           <a:bodyPr/>
           <a:lstStyle/>
           <a:p>
-            <a:fld id="{22B4413F-A245-5443-A13E-C36B6CC5EA43}" type="datetime1">
+            <a:fld id="{8C443641-5090-3F4D-AA23-E72E551EA3AD}" type="datetime1">
               <a:rPr lang="en-US" smtClean="0"/>
-              <a:t>9/26/18</a:t>
+              <a:t>5/29/23</a:t>
             </a:fld>
             <a:endParaRPr lang="en-US"/>
           </a:p>
@@ -3174,7 +3175,7 @@
           <a:p>
             <a:r>
               <a:rPr lang="en-US"/>
-              <a:t>© 2018, FLL Tutorials, Last Edit 9/24/2018</a:t>
+              <a:t>© 2023, FLL Tutorials, Last Edit 5/29/2023</a:t>
             </a:r>
           </a:p>
         </p:txBody>
@@ -3421,9 +3422,9 @@
           <a:bodyPr/>
           <a:lstStyle/>
           <a:p>
-            <a:fld id="{F5FEAA66-2302-3C4A-9AFE-46BC04E1D651}" type="datetime1">
+            <a:fld id="{B54C4E77-9A3B-044C-908A-E4BAA6BF37AF}" type="datetime1">
               <a:rPr lang="en-US" smtClean="0"/>
-              <a:t>9/26/18</a:t>
+              <a:t>5/29/23</a:t>
             </a:fld>
             <a:endParaRPr lang="en-US"/>
           </a:p>
@@ -3446,7 +3447,7 @@
           <a:p>
             <a:r>
               <a:rPr lang="en-US"/>
-              <a:t>© 2018, FLL Tutorials, Last Edit 9/24/2018</a:t>
+              <a:t>© 2023, FLL Tutorials, Last Edit 5/29/2023</a:t>
             </a:r>
           </a:p>
         </p:txBody>
@@ -3875,9 +3876,9 @@
           <a:bodyPr/>
           <a:lstStyle/>
           <a:p>
-            <a:fld id="{089C34F2-45CB-EE48-86A8-CF9114600CBD}" type="datetime1">
+            <a:fld id="{3AADBE2C-AA91-0E4E-B54B-A55382B28DDE}" type="datetime1">
               <a:rPr lang="en-US" smtClean="0"/>
-              <a:t>9/26/18</a:t>
+              <a:t>5/29/23</a:t>
             </a:fld>
             <a:endParaRPr lang="en-US"/>
           </a:p>
@@ -3900,7 +3901,7 @@
           <a:p>
             <a:r>
               <a:rPr lang="en-US"/>
-              <a:t>© 2018, FLL Tutorials, Last Edit 9/24/2018</a:t>
+              <a:t>© 2023, FLL Tutorials, Last Edit 5/29/2023</a:t>
             </a:r>
           </a:p>
         </p:txBody>
@@ -4003,9 +4004,9 @@
           <a:bodyPr/>
           <a:lstStyle/>
           <a:p>
-            <a:fld id="{9B02B2D5-8B24-974B-865D-40AD079CBA07}" type="datetime1">
+            <a:fld id="{D149FC82-7073-8E40-8B9E-79B8692FC0CF}" type="datetime1">
               <a:rPr lang="en-US" smtClean="0"/>
-              <a:t>9/26/18</a:t>
+              <a:t>5/29/23</a:t>
             </a:fld>
             <a:endParaRPr lang="en-US"/>
           </a:p>
@@ -4028,7 +4029,7 @@
           <a:p>
             <a:r>
               <a:rPr lang="en-US"/>
-              <a:t>© 2018, FLL Tutorials, Last Edit 9/24/2018</a:t>
+              <a:t>© 2023, FLL Tutorials, Last Edit 5/29/2023</a:t>
             </a:r>
           </a:p>
         </p:txBody>
@@ -4109,9 +4110,9 @@
           <a:bodyPr/>
           <a:lstStyle/>
           <a:p>
-            <a:fld id="{FA9EEA39-3468-8547-9457-9FDBBE209F87}" type="datetime1">
+            <a:fld id="{B1535F56-6CF6-4D4F-9055-BEF6485FBE90}" type="datetime1">
               <a:rPr lang="en-US" smtClean="0"/>
-              <a:t>9/26/18</a:t>
+              <a:t>5/29/23</a:t>
             </a:fld>
             <a:endParaRPr lang="en-US"/>
           </a:p>
@@ -4134,7 +4135,7 @@
           <a:p>
             <a:r>
               <a:rPr lang="en-US"/>
-              <a:t>© 2018, FLL Tutorials, Last Edit 9/24/2018</a:t>
+              <a:t>© 2023, FLL Tutorials, Last Edit 5/29/2023</a:t>
             </a:r>
           </a:p>
         </p:txBody>
@@ -4367,9 +4368,9 @@
           <a:bodyPr/>
           <a:lstStyle/>
           <a:p>
-            <a:fld id="{296192B5-1FB8-AD4E-94B6-642079A11B4D}" type="datetime1">
+            <a:fld id="{95020291-0C79-844E-A85D-CD02FC55ABA3}" type="datetime1">
               <a:rPr lang="en-US" smtClean="0"/>
-              <a:t>9/26/18</a:t>
+              <a:t>5/29/23</a:t>
             </a:fld>
             <a:endParaRPr lang="en-US"/>
           </a:p>
@@ -4392,7 +4393,7 @@
           <a:p>
             <a:r>
               <a:rPr lang="en-US"/>
-              <a:t>© 2018, FLL Tutorials, Last Edit 9/24/2018</a:t>
+              <a:t>© 2023, FLL Tutorials, Last Edit 5/29/2023</a:t>
             </a:r>
           </a:p>
         </p:txBody>
@@ -4579,9 +4580,9 @@
           <a:bodyPr/>
           <a:lstStyle/>
           <a:p>
-            <a:fld id="{CBBD9373-0290-1045-886F-4667EAB2D4CA}" type="datetime1">
+            <a:fld id="{E54C5AC5-8F2E-514F-A504-08D09359C6A2}" type="datetime1">
               <a:rPr lang="en-US" smtClean="0"/>
-              <a:t>9/26/18</a:t>
+              <a:t>5/29/23</a:t>
             </a:fld>
             <a:endParaRPr lang="en-US"/>
           </a:p>
@@ -4604,7 +4605,7 @@
           <a:p>
             <a:r>
               <a:rPr lang="en-US"/>
-              <a:t>© 2018, FLL Tutorials, Last Edit 9/24/2018</a:t>
+              <a:t>© 2023, FLL Tutorials, Last Edit 5/29/2023</a:t>
             </a:r>
           </a:p>
         </p:txBody>
@@ -4862,9 +4863,9 @@
           <a:bodyPr/>
           <a:lstStyle/>
           <a:p>
-            <a:fld id="{0E7521C3-2907-D544-A55E-FB24B43EE16B}" type="datetime1">
+            <a:fld id="{8D127313-E8AD-E343-A1A1-12867360E54D}" type="datetime1">
               <a:rPr lang="en-US" smtClean="0"/>
-              <a:t>9/26/18</a:t>
+              <a:t>5/29/23</a:t>
             </a:fld>
             <a:endParaRPr lang="en-US"/>
           </a:p>
@@ -4887,7 +4888,7 @@
           <a:p>
             <a:r>
               <a:rPr lang="en-US"/>
-              <a:t>© 2018, FLL Tutorials, Last Edit 9/24/2018</a:t>
+              <a:t>© 2023, FLL Tutorials, Last Edit 5/29/2023</a:t>
             </a:r>
           </a:p>
         </p:txBody>
@@ -5129,9 +5130,9 @@
           <a:bodyPr/>
           <a:lstStyle/>
           <a:p>
-            <a:fld id="{3F9B38BF-959C-8740-A54B-1D0C7E3D1EBD}" type="datetime1">
+            <a:fld id="{76A57F4C-7779-064C-BFF0-B3D11FEDE9B5}" type="datetime1">
               <a:rPr lang="en-US" smtClean="0"/>
-              <a:t>9/26/18</a:t>
+              <a:t>5/29/23</a:t>
             </a:fld>
             <a:endParaRPr lang="en-US"/>
           </a:p>
@@ -5154,7 +5155,7 @@
           <a:p>
             <a:r>
               <a:rPr lang="en-US"/>
-              <a:t>© 2018, FLL Tutorials, Last Edit 9/24/2018</a:t>
+              <a:t>© 2023, FLL Tutorials, Last Edit 5/29/2023</a:t>
             </a:r>
           </a:p>
         </p:txBody>
@@ -5318,9 +5319,9 @@
           <a:bodyPr/>
           <a:lstStyle/>
           <a:p>
-            <a:fld id="{A04B3909-38BD-0F48-8D9B-A5C091A5E9A3}" type="datetime1">
+            <a:fld id="{A98E8B36-DCCF-7B41-BC3F-207888E573AD}" type="datetime1">
               <a:rPr lang="en-US" smtClean="0"/>
-              <a:t>9/26/18</a:t>
+              <a:t>5/29/23</a:t>
             </a:fld>
             <a:endParaRPr lang="en-US"/>
           </a:p>
@@ -5343,7 +5344,7 @@
           <a:p>
             <a:r>
               <a:rPr lang="en-US"/>
-              <a:t>© 2018, FLL Tutorials, Last Edit 9/24/2018</a:t>
+              <a:t>© 2023, FLL Tutorials, Last Edit 5/29/2023</a:t>
             </a:r>
           </a:p>
         </p:txBody>
@@ -5519,9 +5520,9 @@
           <a:bodyPr/>
           <a:lstStyle/>
           <a:p>
-            <a:fld id="{2A4E9138-7556-F947-9DBF-83B976DCA0C7}" type="datetime1">
+            <a:fld id="{6AE00D98-38F5-BA40-9A74-BBA6B88BC9B1}" type="datetime1">
               <a:rPr lang="en-US" smtClean="0"/>
-              <a:t>9/26/18</a:t>
+              <a:t>5/29/23</a:t>
             </a:fld>
             <a:endParaRPr lang="en-US"/>
           </a:p>
@@ -5544,7 +5545,7 @@
           <a:p>
             <a:r>
               <a:rPr lang="en-US"/>
-              <a:t>© 2018, FLL Tutorials, Last Edit 9/24/2018</a:t>
+              <a:t>© 2023, FLL Tutorials, Last Edit 5/29/2023</a:t>
             </a:r>
           </a:p>
         </p:txBody>
@@ -5690,9 +5691,9 @@
           <a:bodyPr/>
           <a:lstStyle/>
           <a:p>
-            <a:fld id="{668C1B8A-0805-AF4F-959F-CE9B309A42A1}" type="datetime1">
+            <a:fld id="{5AF6CADF-7F9D-6444-9D6B-B893E449C901}" type="datetime1">
               <a:rPr lang="en-US" smtClean="0"/>
-              <a:t>9/26/18</a:t>
+              <a:t>5/29/23</a:t>
             </a:fld>
             <a:endParaRPr lang="en-US"/>
           </a:p>
@@ -5715,7 +5716,7 @@
           <a:p>
             <a:r>
               <a:rPr lang="en-US"/>
-              <a:t>© 2018, FLL Tutorials, Last Edit 9/24/2018</a:t>
+              <a:t>© 2023, FLL Tutorials, Last Edit 5/29/2023</a:t>
             </a:r>
           </a:p>
         </p:txBody>
@@ -5938,9 +5939,9 @@
           <a:bodyPr/>
           <a:lstStyle/>
           <a:p>
-            <a:fld id="{9D8FDE65-2142-3E4D-B3A2-B0084D3B7192}" type="datetime1">
+            <a:fld id="{455BDB10-BB35-8D47-AC34-3A360DBA3A8B}" type="datetime1">
               <a:rPr lang="en-US" smtClean="0"/>
-              <a:t>9/26/18</a:t>
+              <a:t>5/29/23</a:t>
             </a:fld>
             <a:endParaRPr lang="en-US"/>
           </a:p>
@@ -5963,7 +5964,7 @@
           <a:p>
             <a:r>
               <a:rPr lang="en-US"/>
-              <a:t>© 2018, FLL Tutorials, Last Edit 9/24/2018</a:t>
+              <a:t>© 2023, FLL Tutorials, Last Edit 5/29/2023</a:t>
             </a:r>
           </a:p>
         </p:txBody>
@@ -6170,9 +6171,9 @@
           <a:bodyPr/>
           <a:lstStyle/>
           <a:p>
-            <a:fld id="{7FAA06C5-E20D-4B4D-B911-927B93923EC5}" type="datetime1">
+            <a:fld id="{803C14F3-30AA-5142-8B15-38B02DE8F890}" type="datetime1">
               <a:rPr lang="en-US" smtClean="0"/>
-              <a:t>9/26/18</a:t>
+              <a:t>5/29/23</a:t>
             </a:fld>
             <a:endParaRPr lang="en-US"/>
           </a:p>
@@ -6195,7 +6196,7 @@
           <a:p>
             <a:r>
               <a:rPr lang="en-US"/>
-              <a:t>© 2018, FLL Tutorials, Last Edit 9/24/2018</a:t>
+              <a:t>© 2023, FLL Tutorials, Last Edit 5/29/2023</a:t>
             </a:r>
           </a:p>
         </p:txBody>
@@ -6537,9 +6538,9 @@
           <a:bodyPr/>
           <a:lstStyle/>
           <a:p>
-            <a:fld id="{12BFF0F9-BD48-954C-8627-45D9F58FD07A}" type="datetime1">
+            <a:fld id="{E0D5D7DE-4AC9-8C4A-B208-A59126CE63E2}" type="datetime1">
               <a:rPr lang="en-US" smtClean="0"/>
-              <a:t>9/26/18</a:t>
+              <a:t>5/29/23</a:t>
             </a:fld>
             <a:endParaRPr lang="en-US"/>
           </a:p>
@@ -6562,7 +6563,7 @@
           <a:p>
             <a:r>
               <a:rPr lang="en-US"/>
-              <a:t>© 2018, FLL Tutorials, Last Edit 9/24/2018</a:t>
+              <a:t>© 2023, FLL Tutorials, Last Edit 5/29/2023</a:t>
             </a:r>
           </a:p>
         </p:txBody>
@@ -6657,9 +6658,9 @@
           <a:bodyPr/>
           <a:lstStyle/>
           <a:p>
-            <a:fld id="{DA90AE06-BCAE-384F-870A-6118B35BCA4E}" type="datetime1">
+            <a:fld id="{7F297CB1-50CD-7742-8A41-A52EDDA4455A}" type="datetime1">
               <a:rPr lang="en-US" smtClean="0"/>
-              <a:t>9/26/18</a:t>
+              <a:t>5/29/23</a:t>
             </a:fld>
             <a:endParaRPr lang="en-US"/>
           </a:p>
@@ -6682,7 +6683,7 @@
           <a:p>
             <a:r>
               <a:rPr lang="en-US"/>
-              <a:t>© 2018, FLL Tutorials, Last Edit 9/24/2018</a:t>
+              <a:t>© 2023, FLL Tutorials, Last Edit 5/29/2023</a:t>
             </a:r>
           </a:p>
         </p:txBody>
@@ -6755,9 +6756,9 @@
           <a:bodyPr/>
           <a:lstStyle/>
           <a:p>
-            <a:fld id="{FCA03AB3-081E-2E47-8C48-5BF138B92863}" type="datetime1">
+            <a:fld id="{578639A1-7B0A-9042-977E-0A55F3DAE5B8}" type="datetime1">
               <a:rPr lang="en-US" smtClean="0"/>
-              <a:t>9/26/18</a:t>
+              <a:t>5/29/23</a:t>
             </a:fld>
             <a:endParaRPr lang="en-US"/>
           </a:p>
@@ -6780,7 +6781,7 @@
           <a:p>
             <a:r>
               <a:rPr lang="en-US"/>
-              <a:t>© 2018, FLL Tutorials, Last Edit 9/24/2018</a:t>
+              <a:t>© 2023, FLL Tutorials, Last Edit 5/29/2023</a:t>
             </a:r>
           </a:p>
         </p:txBody>
@@ -7012,9 +7013,9 @@
           <a:bodyPr/>
           <a:lstStyle/>
           <a:p>
-            <a:fld id="{E7E992D5-6700-8347-BA57-3C464DE6EEDA}" type="datetime1">
+            <a:fld id="{5E683AEE-E0BA-B34D-910D-3D2129635597}" type="datetime1">
               <a:rPr lang="en-US" smtClean="0"/>
-              <a:t>9/26/18</a:t>
+              <a:t>5/29/23</a:t>
             </a:fld>
             <a:endParaRPr lang="en-US"/>
           </a:p>
@@ -7060,7 +7061,7 @@
           <a:p>
             <a:r>
               <a:rPr lang="en-US"/>
-              <a:t>© 2018, FLL Tutorials, Last Edit 9/24/2018</a:t>
+              <a:t>© 2023, FLL Tutorials, Last Edit 5/29/2023</a:t>
             </a:r>
           </a:p>
         </p:txBody>
@@ -7290,9 +7291,9 @@
           <a:bodyPr/>
           <a:lstStyle/>
           <a:p>
-            <a:fld id="{98D45E71-A300-AE4A-AB18-EE2EFDD267EA}" type="datetime1">
+            <a:fld id="{09367A35-6991-7641-8F86-F83501B3AF37}" type="datetime1">
               <a:rPr lang="en-US" smtClean="0"/>
-              <a:t>9/26/18</a:t>
+              <a:t>5/29/23</a:t>
             </a:fld>
             <a:endParaRPr lang="en-US"/>
           </a:p>
@@ -7315,7 +7316,7 @@
           <a:p>
             <a:r>
               <a:rPr lang="en-US"/>
-              <a:t>© 2018, FLL Tutorials, Last Edit 9/24/2018</a:t>
+              <a:t>© 2023, FLL Tutorials, Last Edit 5/29/2023</a:t>
             </a:r>
           </a:p>
         </p:txBody>
@@ -7548,9 +7549,9 @@
           <a:bodyPr/>
           <a:lstStyle/>
           <a:p>
-            <a:fld id="{A59470BC-4E9E-1A45-BCD1-4DCF43ABA025}" type="datetime1">
+            <a:fld id="{88D996DF-73CE-464F-8C9C-A90F5D086557}" type="datetime1">
               <a:rPr lang="en-US" smtClean="0"/>
-              <a:t>9/26/18</a:t>
+              <a:t>5/29/23</a:t>
             </a:fld>
             <a:endParaRPr lang="en-US"/>
           </a:p>
@@ -7573,7 +7574,7 @@
           <a:p>
             <a:r>
               <a:rPr lang="en-US"/>
-              <a:t>© 2018, FLL Tutorials, Last Edit 9/24/2018</a:t>
+              <a:t>© 2023, FLL Tutorials, Last Edit 5/29/2023</a:t>
             </a:r>
           </a:p>
         </p:txBody>
@@ -7719,9 +7720,9 @@
           <a:bodyPr/>
           <a:lstStyle/>
           <a:p>
-            <a:fld id="{2603BEA1-A276-8942-BC43-885D97C6D9E6}" type="datetime1">
+            <a:fld id="{1A27F613-E807-9C4A-8451-FCDC9AB52803}" type="datetime1">
               <a:rPr lang="en-US" smtClean="0"/>
-              <a:t>9/26/18</a:t>
+              <a:t>5/29/23</a:t>
             </a:fld>
             <a:endParaRPr lang="en-US"/>
           </a:p>
@@ -7744,7 +7745,7 @@
           <a:p>
             <a:r>
               <a:rPr lang="en-US"/>
-              <a:t>© 2018, FLL Tutorials, Last Edit 9/24/2018</a:t>
+              <a:t>© 2023, FLL Tutorials, Last Edit 5/29/2023</a:t>
             </a:r>
           </a:p>
         </p:txBody>
@@ -7900,9 +7901,9 @@
           <a:bodyPr/>
           <a:lstStyle/>
           <a:p>
-            <a:fld id="{FF4C784C-052D-A24D-A1C1-53082EB75CAA}" type="datetime1">
+            <a:fld id="{BD03C1FA-F6D3-0342-ABB3-8066771898E8}" type="datetime1">
               <a:rPr lang="en-US" smtClean="0"/>
-              <a:t>9/26/18</a:t>
+              <a:t>5/29/23</a:t>
             </a:fld>
             <a:endParaRPr lang="en-US"/>
           </a:p>
@@ -7925,7 +7926,7 @@
           <a:p>
             <a:r>
               <a:rPr lang="en-US"/>
-              <a:t>© 2018, FLL Tutorials, Last Edit 9/24/2018</a:t>
+              <a:t>© 2023, FLL Tutorials, Last Edit 5/29/2023</a:t>
             </a:r>
           </a:p>
         </p:txBody>
@@ -8157,9 +8158,9 @@
           <a:bodyPr/>
           <a:lstStyle/>
           <a:p>
-            <a:fld id="{B76EC860-E442-894E-A633-484FF5889D28}" type="datetime1">
+            <a:fld id="{70ABDD9B-2982-D643-A3B9-D1B357FB6C19}" type="datetime1">
               <a:rPr lang="en-US" smtClean="0"/>
-              <a:t>9/26/18</a:t>
+              <a:t>5/29/23</a:t>
             </a:fld>
             <a:endParaRPr lang="en-US"/>
           </a:p>
@@ -8182,7 +8183,7 @@
           <a:p>
             <a:r>
               <a:rPr lang="en-US"/>
-              <a:t>© 2018, FLL Tutorials, Last Edit 9/24/2018</a:t>
+              <a:t>© 2023, FLL Tutorials, Last Edit 5/29/2023</a:t>
             </a:r>
           </a:p>
         </p:txBody>
@@ -9181,9 +9182,9 @@
           <a:bodyPr/>
           <a:lstStyle/>
           <a:p>
-            <a:fld id="{2B235FB9-0873-E343-BB1B-48056C9B7E7E}" type="datetime1">
+            <a:fld id="{FB630EDD-760B-BB41-8559-E3DF0C4DED4F}" type="datetime1">
               <a:rPr lang="en-US" smtClean="0"/>
-              <a:t>9/26/18</a:t>
+              <a:t>5/29/23</a:t>
             </a:fld>
             <a:endParaRPr lang="en-US"/>
           </a:p>
@@ -9206,7 +9207,7 @@
           <a:p>
             <a:r>
               <a:rPr lang="en-US"/>
-              <a:t>© 2018, FLL Tutorials, Last Edit 9/24/2018</a:t>
+              <a:t>© 2023, FLL Tutorials, Last Edit 5/29/2023</a:t>
             </a:r>
           </a:p>
         </p:txBody>
@@ -9443,9 +9444,9 @@
           <a:bodyPr/>
           <a:lstStyle/>
           <a:p>
-            <a:fld id="{A28C5096-A6A2-6D44-BE87-037ABF94533B}" type="datetime1">
+            <a:fld id="{CDDF05CA-51AC-E84E-BD42-DD54128F068C}" type="datetime1">
               <a:rPr lang="en-US" smtClean="0"/>
-              <a:t>9/26/18</a:t>
+              <a:t>5/29/23</a:t>
             </a:fld>
             <a:endParaRPr lang="en-US"/>
           </a:p>
@@ -9491,7 +9492,7 @@
           <a:p>
             <a:r>
               <a:rPr lang="en-US"/>
-              <a:t>© 2018, FLL Tutorials, Last Edit 9/24/2018</a:t>
+              <a:t>© 2023, FLL Tutorials, Last Edit 5/29/2023</a:t>
             </a:r>
           </a:p>
         </p:txBody>
@@ -9738,9 +9739,9 @@
           <a:bodyPr/>
           <a:lstStyle/>
           <a:p>
-            <a:fld id="{FFF32465-D05E-A343-A891-450ACFF17C6E}" type="datetime1">
+            <a:fld id="{F7445E16-8DAE-0D44-BBEC-C7E6F7290558}" type="datetime1">
               <a:rPr lang="en-US" smtClean="0"/>
-              <a:t>9/26/18</a:t>
+              <a:t>5/29/23</a:t>
             </a:fld>
             <a:endParaRPr lang="en-US"/>
           </a:p>
@@ -9763,7 +9764,7 @@
           <a:p>
             <a:r>
               <a:rPr lang="en-US"/>
-              <a:t>© 2018, FLL Tutorials, Last Edit 9/24/2018</a:t>
+              <a:t>© 2023, FLL Tutorials, Last Edit 5/29/2023</a:t>
             </a:r>
           </a:p>
         </p:txBody>
@@ -10184,9 +10185,9 @@
           <a:bodyPr/>
           <a:lstStyle/>
           <a:p>
-            <a:fld id="{671A1965-AB15-9047-9303-D97057369E7B}" type="datetime1">
+            <a:fld id="{F7275F15-0A2C-DE47-A934-32136D5A73CA}" type="datetime1">
               <a:rPr lang="en-US" smtClean="0"/>
-              <a:t>9/26/18</a:t>
+              <a:t>5/29/23</a:t>
             </a:fld>
             <a:endParaRPr lang="en-US"/>
           </a:p>
@@ -10209,7 +10210,7 @@
           <a:p>
             <a:r>
               <a:rPr lang="en-US"/>
-              <a:t>© 2018, FLL Tutorials, Last Edit 9/24/2018</a:t>
+              <a:t>© 2023, FLL Tutorials, Last Edit 5/29/2023</a:t>
             </a:r>
           </a:p>
         </p:txBody>
@@ -10304,9 +10305,9 @@
           <a:bodyPr/>
           <a:lstStyle/>
           <a:p>
-            <a:fld id="{14A38AE9-F8D5-B247-9890-503283B55247}" type="datetime1">
+            <a:fld id="{0E919AE9-A687-5945-A977-405DB88473F1}" type="datetime1">
               <a:rPr lang="en-US" smtClean="0"/>
-              <a:t>9/26/18</a:t>
+              <a:t>5/29/23</a:t>
             </a:fld>
             <a:endParaRPr lang="en-US"/>
           </a:p>
@@ -10329,7 +10330,7 @@
           <a:p>
             <a:r>
               <a:rPr lang="en-US"/>
-              <a:t>© 2018, FLL Tutorials, Last Edit 9/24/2018</a:t>
+              <a:t>© 2023, FLL Tutorials, Last Edit 5/29/2023</a:t>
             </a:r>
           </a:p>
         </p:txBody>
@@ -10598,9 +10599,9 @@
           <a:bodyPr/>
           <a:lstStyle/>
           <a:p>
-            <a:fld id="{94C2B804-4A52-944C-80A7-4EE1B95DCD5C}" type="datetime1">
+            <a:fld id="{EDD64687-68EB-7E4C-BF40-1469E3947BC0}" type="datetime1">
               <a:rPr lang="en-US" smtClean="0"/>
-              <a:t>9/26/18</a:t>
+              <a:t>5/29/23</a:t>
             </a:fld>
             <a:endParaRPr lang="en-US"/>
           </a:p>
@@ -10623,7 +10624,7 @@
           <a:p>
             <a:r>
               <a:rPr lang="en-US"/>
-              <a:t>© 2018, FLL Tutorials, Last Edit 9/24/2018</a:t>
+              <a:t>© 2023, FLL Tutorials, Last Edit 5/29/2023</a:t>
             </a:r>
           </a:p>
         </p:txBody>
@@ -10696,9 +10697,9 @@
           <a:bodyPr/>
           <a:lstStyle/>
           <a:p>
-            <a:fld id="{25847DE5-EAEE-7845-82B4-F13D8A209B88}" type="datetime1">
+            <a:fld id="{04C45CF0-C64E-1F4F-B09F-6C325F343EE2}" type="datetime1">
               <a:rPr lang="en-US" smtClean="0"/>
-              <a:t>9/26/18</a:t>
+              <a:t>5/29/23</a:t>
             </a:fld>
             <a:endParaRPr lang="en-US"/>
           </a:p>
@@ -10721,7 +10722,7 @@
           <a:p>
             <a:r>
               <a:rPr lang="en-US"/>
-              <a:t>© 2018, FLL Tutorials, Last Edit 9/24/2018</a:t>
+              <a:t>© 2023, FLL Tutorials, Last Edit 5/29/2023</a:t>
             </a:r>
           </a:p>
         </p:txBody>
@@ -10946,9 +10947,9 @@
           <a:bodyPr/>
           <a:lstStyle/>
           <a:p>
-            <a:fld id="{4C40ACEA-55DC-6041-B1FF-66D00EBA6A20}" type="datetime1">
+            <a:fld id="{FEA934E3-9E38-9D46-9CE4-B3B1877E1958}" type="datetime1">
               <a:rPr lang="en-US" smtClean="0"/>
-              <a:t>9/26/18</a:t>
+              <a:t>5/29/23</a:t>
             </a:fld>
             <a:endParaRPr lang="en-US"/>
           </a:p>
@@ -10971,7 +10972,7 @@
           <a:p>
             <a:r>
               <a:rPr lang="en-US"/>
-              <a:t>© 2018, FLL Tutorials, Last Edit 9/24/2018</a:t>
+              <a:t>© 2023, FLL Tutorials, Last Edit 5/29/2023</a:t>
             </a:r>
           </a:p>
         </p:txBody>
@@ -11246,9 +11247,9 @@
           <a:bodyPr/>
           <a:lstStyle/>
           <a:p>
-            <a:fld id="{E6720E80-EDE1-BD40-B4BF-452AD192D5C8}" type="datetime1">
+            <a:fld id="{B6AA0CB8-1762-2C41-A3DB-52F18716B010}" type="datetime1">
               <a:rPr lang="en-US" smtClean="0"/>
-              <a:t>9/26/18</a:t>
+              <a:t>5/29/23</a:t>
             </a:fld>
             <a:endParaRPr lang="en-US"/>
           </a:p>
@@ -11271,7 +11272,7 @@
           <a:p>
             <a:r>
               <a:rPr lang="en-US"/>
-              <a:t>© 2018, FLL Tutorials, Last Edit 9/24/2018</a:t>
+              <a:t>© 2023, FLL Tutorials, Last Edit 5/29/2023</a:t>
             </a:r>
           </a:p>
         </p:txBody>
@@ -11505,9 +11506,9 @@
           <a:bodyPr/>
           <a:lstStyle/>
           <a:p>
-            <a:fld id="{CD73A960-FD60-AE47-A3DD-5CCE849FC206}" type="datetime1">
+            <a:fld id="{9E629870-D833-9B4F-BE4A-67696756E369}" type="datetime1">
               <a:rPr lang="en-US" smtClean="0"/>
-              <a:t>9/26/18</a:t>
+              <a:t>5/29/23</a:t>
             </a:fld>
             <a:endParaRPr lang="en-US"/>
           </a:p>
@@ -11530,7 +11531,7 @@
           <a:p>
             <a:r>
               <a:rPr lang="en-US"/>
-              <a:t>© 2018, FLL Tutorials, Last Edit 9/24/2018</a:t>
+              <a:t>© 2023, FLL Tutorials, Last Edit 5/29/2023</a:t>
             </a:r>
           </a:p>
         </p:txBody>
@@ -11686,9 +11687,9 @@
           <a:bodyPr/>
           <a:lstStyle/>
           <a:p>
-            <a:fld id="{1332EC42-DC87-9745-B6CB-7AE40F172E4B}" type="datetime1">
+            <a:fld id="{C2ADC92B-FD8A-144C-B348-419B3546434C}" type="datetime1">
               <a:rPr lang="en-US" smtClean="0"/>
-              <a:t>9/26/18</a:t>
+              <a:t>5/29/23</a:t>
             </a:fld>
             <a:endParaRPr lang="en-US"/>
           </a:p>
@@ -11711,7 +11712,7 @@
           <a:p>
             <a:r>
               <a:rPr lang="en-US"/>
-              <a:t>© 2018, FLL Tutorials, Last Edit 9/24/2018</a:t>
+              <a:t>© 2023, FLL Tutorials, Last Edit 5/29/2023</a:t>
             </a:r>
           </a:p>
         </p:txBody>
@@ -11902,9 +11903,9 @@
           <a:bodyPr/>
           <a:lstStyle/>
           <a:p>
-            <a:fld id="{104DE16F-8D8E-A34D-846C-BE897B480924}" type="datetime1">
+            <a:fld id="{CDE9E9D6-1755-4249-94A6-06144C2C383E}" type="datetime1">
               <a:rPr lang="en-US" smtClean="0"/>
-              <a:t>9/26/18</a:t>
+              <a:t>5/29/23</a:t>
             </a:fld>
             <a:endParaRPr lang="en-US"/>
           </a:p>
@@ -11932,7 +11933,7 @@
           <a:p>
             <a:r>
               <a:rPr lang="en-US"/>
-              <a:t>© 2018, FLL Tutorials, Last Edit 9/24/2018</a:t>
+              <a:t>© 2023, FLL Tutorials, Last Edit 5/29/2023</a:t>
             </a:r>
           </a:p>
         </p:txBody>
@@ -13158,9 +13159,9 @@
           <a:bodyPr/>
           <a:lstStyle/>
           <a:p>
-            <a:fld id="{CCC2B0B8-DD5C-F440-9A11-01984F95CD49}" type="datetime1">
+            <a:fld id="{053FFC27-A5E9-FF45-ABB0-47AE9DA0246A}" type="datetime1">
               <a:rPr lang="en-US" smtClean="0"/>
-              <a:t>9/26/18</a:t>
+              <a:t>5/29/23</a:t>
             </a:fld>
             <a:endParaRPr lang="en-US"/>
           </a:p>
@@ -13183,7 +13184,7 @@
           <a:p>
             <a:r>
               <a:rPr lang="en-US"/>
-              <a:t>© 2018, FLL Tutorials, Last Edit 9/24/2018</a:t>
+              <a:t>© 2023, FLL Tutorials, Last Edit 5/29/2023</a:t>
             </a:r>
           </a:p>
         </p:txBody>
@@ -13423,9 +13424,9 @@
           <a:bodyPr/>
           <a:lstStyle/>
           <a:p>
-            <a:fld id="{E5FC4C43-0DBA-374E-B918-84172F308B53}" type="datetime1">
+            <a:fld id="{93CD6ECB-CB06-9D4F-959A-7CC46EC94614}" type="datetime1">
               <a:rPr lang="en-US" smtClean="0"/>
-              <a:t>9/26/18</a:t>
+              <a:t>5/29/23</a:t>
             </a:fld>
             <a:endParaRPr lang="en-US"/>
           </a:p>
@@ -13479,7 +13480,7 @@
           <a:p>
             <a:r>
               <a:rPr lang="en-US"/>
-              <a:t>© 2018, FLL Tutorials, Last Edit 9/24/2018</a:t>
+              <a:t>© 2023, FLL Tutorials, Last Edit 5/29/2023</a:t>
             </a:r>
           </a:p>
         </p:txBody>
@@ -13726,9 +13727,9 @@
           <a:bodyPr/>
           <a:lstStyle/>
           <a:p>
-            <a:fld id="{53C3D1CE-F7FF-B44E-8F32-29767031DA5F}" type="datetime1">
+            <a:fld id="{E2AEFAF5-EF94-2447-BFE4-93A2145B219E}" type="datetime1">
               <a:rPr lang="en-US" smtClean="0"/>
-              <a:t>9/26/18</a:t>
+              <a:t>5/29/23</a:t>
             </a:fld>
             <a:endParaRPr lang="en-US"/>
           </a:p>
@@ -13751,7 +13752,7 @@
           <a:p>
             <a:r>
               <a:rPr lang="en-US"/>
-              <a:t>© 2018, FLL Tutorials, Last Edit 9/24/2018</a:t>
+              <a:t>© 2023, FLL Tutorials, Last Edit 5/29/2023</a:t>
             </a:r>
           </a:p>
         </p:txBody>
@@ -14180,9 +14181,9 @@
           <a:bodyPr/>
           <a:lstStyle/>
           <a:p>
-            <a:fld id="{36CE1ABC-94F0-7C40-933A-D6751791343C}" type="datetime1">
+            <a:fld id="{39A9260F-23CB-7347-A86C-0ACBE31B1FDC}" type="datetime1">
               <a:rPr lang="en-US" smtClean="0"/>
-              <a:t>9/26/18</a:t>
+              <a:t>5/29/23</a:t>
             </a:fld>
             <a:endParaRPr lang="en-US"/>
           </a:p>
@@ -14205,7 +14206,7 @@
           <a:p>
             <a:r>
               <a:rPr lang="en-US"/>
-              <a:t>© 2018, FLL Tutorials, Last Edit 9/24/2018</a:t>
+              <a:t>© 2023, FLL Tutorials, Last Edit 5/29/2023</a:t>
             </a:r>
           </a:p>
         </p:txBody>
@@ -14634,9 +14635,9 @@
           <a:bodyPr/>
           <a:lstStyle/>
           <a:p>
-            <a:fld id="{7DEECB58-6C6A-0545-A3B7-169F4318FA07}" type="datetime1">
+            <a:fld id="{CD4A1DE3-654F-6249-8943-6438A0141F72}" type="datetime1">
               <a:rPr lang="en-US" smtClean="0"/>
-              <a:t>9/26/18</a:t>
+              <a:t>5/29/23</a:t>
             </a:fld>
             <a:endParaRPr lang="en-US"/>
           </a:p>
@@ -14659,7 +14660,7 @@
           <a:p>
             <a:r>
               <a:rPr lang="en-US"/>
-              <a:t>© 2018, FLL Tutorials, Last Edit 9/24/2018</a:t>
+              <a:t>© 2023, FLL Tutorials, Last Edit 5/29/2023</a:t>
             </a:r>
           </a:p>
         </p:txBody>
@@ -14754,9 +14755,9 @@
           <a:bodyPr/>
           <a:lstStyle/>
           <a:p>
-            <a:fld id="{81803AD2-7709-D547-9048-21A280EF5EC1}" type="datetime1">
+            <a:fld id="{933FF1C2-51D8-F541-BBBD-97213E536FA1}" type="datetime1">
               <a:rPr lang="en-US" smtClean="0"/>
-              <a:t>9/26/18</a:t>
+              <a:t>5/29/23</a:t>
             </a:fld>
             <a:endParaRPr lang="en-US"/>
           </a:p>
@@ -14779,7 +14780,7 @@
           <a:p>
             <a:r>
               <a:rPr lang="en-US"/>
-              <a:t>© 2018, FLL Tutorials, Last Edit 9/24/2018</a:t>
+              <a:t>© 2023, FLL Tutorials, Last Edit 5/29/2023</a:t>
             </a:r>
           </a:p>
         </p:txBody>
@@ -14860,9 +14861,9 @@
           <a:bodyPr/>
           <a:lstStyle/>
           <a:p>
-            <a:fld id="{1CB5226E-3128-3949-A4A7-B92E850A0BAD}" type="datetime1">
+            <a:fld id="{F86C0B2C-880D-9B4A-9931-3D9C908229ED}" type="datetime1">
               <a:rPr lang="en-US" smtClean="0"/>
-              <a:t>9/26/18</a:t>
+              <a:t>5/29/23</a:t>
             </a:fld>
             <a:endParaRPr lang="en-US"/>
           </a:p>
@@ -14885,7 +14886,7 @@
           <a:p>
             <a:r>
               <a:rPr lang="en-US"/>
-              <a:t>© 2018, FLL Tutorials, Last Edit 9/24/2018</a:t>
+              <a:t>© 2023, FLL Tutorials, Last Edit 5/29/2023</a:t>
             </a:r>
           </a:p>
         </p:txBody>
@@ -15118,9 +15119,9 @@
           <a:bodyPr/>
           <a:lstStyle/>
           <a:p>
-            <a:fld id="{797750EA-B1E3-FB4B-B252-DB6EA6AEA533}" type="datetime1">
+            <a:fld id="{E99DE724-AC17-8A48-9F52-0C4EED1D5BDB}" type="datetime1">
               <a:rPr lang="en-US" smtClean="0"/>
-              <a:t>9/26/18</a:t>
+              <a:t>5/29/23</a:t>
             </a:fld>
             <a:endParaRPr lang="en-US"/>
           </a:p>
@@ -15143,7 +15144,7 @@
           <a:p>
             <a:r>
               <a:rPr lang="en-US"/>
-              <a:t>© 2018, FLL Tutorials, Last Edit 9/24/2018</a:t>
+              <a:t>© 2023, FLL Tutorials, Last Edit 5/29/2023</a:t>
             </a:r>
           </a:p>
         </p:txBody>
@@ -15426,9 +15427,9 @@
           <a:bodyPr/>
           <a:lstStyle/>
           <a:p>
-            <a:fld id="{4A4D1DAD-4845-4B47-BCA4-5764CF12A390}" type="datetime1">
+            <a:fld id="{361D1621-4804-C345-A264-38A674F2C95F}" type="datetime1">
               <a:rPr lang="en-US" smtClean="0"/>
-              <a:t>9/26/18</a:t>
+              <a:t>5/29/23</a:t>
             </a:fld>
             <a:endParaRPr lang="en-US"/>
           </a:p>
@@ -15451,7 +15452,7 @@
           <a:p>
             <a:r>
               <a:rPr lang="en-US"/>
-              <a:t>© 2018, FLL Tutorials, Last Edit 9/24/2018</a:t>
+              <a:t>© 2023, FLL Tutorials, Last Edit 5/29/2023</a:t>
             </a:r>
           </a:p>
         </p:txBody>
@@ -15693,9 +15694,9 @@
           <a:bodyPr/>
           <a:lstStyle/>
           <a:p>
-            <a:fld id="{21B38F29-B698-BE49-A138-101966FB11EA}" type="datetime1">
+            <a:fld id="{C4CE0884-80C5-014F-97A9-868A4D0121DA}" type="datetime1">
               <a:rPr lang="en-US" smtClean="0"/>
-              <a:t>9/26/18</a:t>
+              <a:t>5/29/23</a:t>
             </a:fld>
             <a:endParaRPr lang="en-US"/>
           </a:p>
@@ -15718,7 +15719,7 @@
           <a:p>
             <a:r>
               <a:rPr lang="en-US"/>
-              <a:t>© 2018, FLL Tutorials, Last Edit 9/24/2018</a:t>
+              <a:t>© 2023, FLL Tutorials, Last Edit 5/29/2023</a:t>
             </a:r>
           </a:p>
         </p:txBody>
@@ -15882,9 +15883,9 @@
           <a:bodyPr/>
           <a:lstStyle/>
           <a:p>
-            <a:fld id="{1C3FE49E-1CFC-1B45-841F-F0189C48E8B1}" type="datetime1">
+            <a:fld id="{A6BEB34B-D1C6-F546-B855-02C2D3DE17A1}" type="datetime1">
               <a:rPr lang="en-US" smtClean="0"/>
-              <a:t>9/26/18</a:t>
+              <a:t>5/29/23</a:t>
             </a:fld>
             <a:endParaRPr lang="en-US"/>
           </a:p>
@@ -15907,7 +15908,7 @@
           <a:p>
             <a:r>
               <a:rPr lang="en-US"/>
-              <a:t>© 2018, FLL Tutorials, Last Edit 9/24/2018</a:t>
+              <a:t>© 2023, FLL Tutorials, Last Edit 5/29/2023</a:t>
             </a:r>
           </a:p>
         </p:txBody>
@@ -16083,9 +16084,9 @@
           <a:bodyPr/>
           <a:lstStyle/>
           <a:p>
-            <a:fld id="{25CC7EF1-2E70-B249-8CF1-72E79AD2C266}" type="datetime1">
+            <a:fld id="{BFD86E52-FC5B-0546-962B-4C6D386BE6D3}" type="datetime1">
               <a:rPr lang="en-US" smtClean="0"/>
-              <a:t>9/26/18</a:t>
+              <a:t>5/29/23</a:t>
             </a:fld>
             <a:endParaRPr lang="en-US"/>
           </a:p>
@@ -16108,7 +16109,7 @@
           <a:p>
             <a:r>
               <a:rPr lang="en-US"/>
-              <a:t>© 2018, FLL Tutorials, Last Edit 9/24/2018</a:t>
+              <a:t>© 2023, FLL Tutorials, Last Edit 5/29/2023</a:t>
             </a:r>
           </a:p>
         </p:txBody>
@@ -16254,9 +16255,9 @@
           <a:bodyPr/>
           <a:lstStyle/>
           <a:p>
-            <a:fld id="{C17E019F-8AD5-A34D-8AC1-83DC57355142}" type="datetime1">
+            <a:fld id="{6BE8929E-D0D8-7948-ADA8-2253569768FB}" type="datetime1">
               <a:rPr lang="en-US" smtClean="0"/>
-              <a:t>9/26/18</a:t>
+              <a:t>5/29/23</a:t>
             </a:fld>
             <a:endParaRPr lang="en-US"/>
           </a:p>
@@ -16279,7 +16280,7 @@
           <a:p>
             <a:r>
               <a:rPr lang="en-US"/>
-              <a:t>© 2018, FLL Tutorials, Last Edit 9/24/2018</a:t>
+              <a:t>© 2023, FLL Tutorials, Last Edit 5/29/2023</a:t>
             </a:r>
           </a:p>
         </p:txBody>
@@ -16502,9 +16503,9 @@
           <a:bodyPr/>
           <a:lstStyle/>
           <a:p>
-            <a:fld id="{0B664C80-0467-AB4A-8A5A-625ECB43E65B}" type="datetime1">
+            <a:fld id="{54D3AF7E-E759-C54A-A557-6D5FB1A55228}" type="datetime1">
               <a:rPr lang="en-US" smtClean="0"/>
-              <a:t>9/26/18</a:t>
+              <a:t>5/29/23</a:t>
             </a:fld>
             <a:endParaRPr lang="en-US"/>
           </a:p>
@@ -16527,7 +16528,7 @@
           <a:p>
             <a:r>
               <a:rPr lang="en-US"/>
-              <a:t>© 2018, FLL Tutorials, Last Edit 9/24/2018</a:t>
+              <a:t>© 2023, FLL Tutorials, Last Edit 5/29/2023</a:t>
             </a:r>
           </a:p>
         </p:txBody>
@@ -16734,9 +16735,9 @@
           <a:bodyPr/>
           <a:lstStyle/>
           <a:p>
-            <a:fld id="{C8D523F5-5D2C-394B-BB3F-A19857C19933}" type="datetime1">
+            <a:fld id="{50DB0B9D-EBA0-C844-93DA-BE7A0874E7AF}" type="datetime1">
               <a:rPr lang="en-US" smtClean="0"/>
-              <a:t>9/26/18</a:t>
+              <a:t>5/29/23</a:t>
             </a:fld>
             <a:endParaRPr lang="en-US"/>
           </a:p>
@@ -16759,7 +16760,7 @@
           <a:p>
             <a:r>
               <a:rPr lang="en-US"/>
-              <a:t>© 2018, FLL Tutorials, Last Edit 9/24/2018</a:t>
+              <a:t>© 2023, FLL Tutorials, Last Edit 5/29/2023</a:t>
             </a:r>
           </a:p>
         </p:txBody>
@@ -16854,9 +16855,9 @@
           <a:bodyPr/>
           <a:lstStyle/>
           <a:p>
-            <a:fld id="{76A9A687-8A03-7148-AEE4-96DE208D4A46}" type="datetime1">
+            <a:fld id="{FA145EA8-EE20-3044-A984-F6834CA6CADE}" type="datetime1">
               <a:rPr lang="en-US" smtClean="0"/>
-              <a:t>9/26/18</a:t>
+              <a:t>5/29/23</a:t>
             </a:fld>
             <a:endParaRPr lang="en-US"/>
           </a:p>
@@ -16879,7 +16880,7 @@
           <a:p>
             <a:r>
               <a:rPr lang="en-US"/>
-              <a:t>© 2018, FLL Tutorials, Last Edit 9/24/2018</a:t>
+              <a:t>© 2023, FLL Tutorials, Last Edit 5/29/2023</a:t>
             </a:r>
           </a:p>
         </p:txBody>
@@ -17221,9 +17222,9 @@
           <a:bodyPr/>
           <a:lstStyle/>
           <a:p>
-            <a:fld id="{DEFD48B0-D26D-EE4F-896B-206C38D33F84}" type="datetime1">
+            <a:fld id="{6018C832-A982-934C-9BE3-0AF6026399AF}" type="datetime1">
               <a:rPr lang="en-US" smtClean="0"/>
-              <a:t>9/26/18</a:t>
+              <a:t>5/29/23</a:t>
             </a:fld>
             <a:endParaRPr lang="en-US"/>
           </a:p>
@@ -17246,7 +17247,7 @@
           <a:p>
             <a:r>
               <a:rPr lang="en-US"/>
-              <a:t>© 2018, FLL Tutorials, Last Edit 9/24/2018</a:t>
+              <a:t>© 2023, FLL Tutorials, Last Edit 5/29/2023</a:t>
             </a:r>
           </a:p>
         </p:txBody>
@@ -17341,9 +17342,9 @@
           <a:bodyPr/>
           <a:lstStyle/>
           <a:p>
-            <a:fld id="{4C04360F-5805-C444-87F5-80524BD94B9C}" type="datetime1">
+            <a:fld id="{4869D2FA-9829-A64A-8198-EC99DF878565}" type="datetime1">
               <a:rPr lang="en-US" smtClean="0"/>
-              <a:t>9/26/18</a:t>
+              <a:t>5/29/23</a:t>
             </a:fld>
             <a:endParaRPr lang="en-US"/>
           </a:p>
@@ -17366,7 +17367,7 @@
           <a:p>
             <a:r>
               <a:rPr lang="en-US"/>
-              <a:t>© 2018, FLL Tutorials, Last Edit 9/24/2018</a:t>
+              <a:t>© 2023, FLL Tutorials, Last Edit 5/29/2023</a:t>
             </a:r>
           </a:p>
         </p:txBody>
@@ -17439,9 +17440,9 @@
           <a:bodyPr/>
           <a:lstStyle/>
           <a:p>
-            <a:fld id="{12C9EB15-0C89-E24B-9119-B1BCE1EEDBB3}" type="datetime1">
+            <a:fld id="{6AA770D3-C3AC-8641-BD32-63096CE6CFC2}" type="datetime1">
               <a:rPr lang="en-US" smtClean="0"/>
-              <a:t>9/26/18</a:t>
+              <a:t>5/29/23</a:t>
             </a:fld>
             <a:endParaRPr lang="en-US"/>
           </a:p>
@@ -17464,7 +17465,7 @@
           <a:p>
             <a:r>
               <a:rPr lang="en-US"/>
-              <a:t>© 2018, FLL Tutorials, Last Edit 9/24/2018</a:t>
+              <a:t>© 2023, FLL Tutorials, Last Edit 5/29/2023</a:t>
             </a:r>
           </a:p>
         </p:txBody>
@@ -17717,9 +17718,9 @@
           <a:bodyPr/>
           <a:lstStyle/>
           <a:p>
-            <a:fld id="{A533E3FD-E0F4-FB48-A97D-10A46DFC061B}" type="datetime1">
+            <a:fld id="{2D99D311-C8AD-A049-9FA0-048C2E682EF7}" type="datetime1">
               <a:rPr lang="en-US" smtClean="0"/>
-              <a:t>9/26/18</a:t>
+              <a:t>5/29/23</a:t>
             </a:fld>
             <a:endParaRPr lang="en-US"/>
           </a:p>
@@ -17742,7 +17743,7 @@
           <a:p>
             <a:r>
               <a:rPr lang="en-US"/>
-              <a:t>© 2018, FLL Tutorials, Last Edit 9/24/2018</a:t>
+              <a:t>© 2023, FLL Tutorials, Last Edit 5/29/2023</a:t>
             </a:r>
           </a:p>
         </p:txBody>
@@ -17975,9 +17976,9 @@
           <a:bodyPr/>
           <a:lstStyle/>
           <a:p>
-            <a:fld id="{FEFD98A9-2460-0F42-8701-5E01893C9EA0}" type="datetime1">
+            <a:fld id="{86584072-C8F6-4347-AB42-3DC8D31549E7}" type="datetime1">
               <a:rPr lang="en-US" smtClean="0"/>
-              <a:t>9/26/18</a:t>
+              <a:t>5/29/23</a:t>
             </a:fld>
             <a:endParaRPr lang="en-US"/>
           </a:p>
@@ -18000,7 +18001,7 @@
           <a:p>
             <a:r>
               <a:rPr lang="en-US"/>
-              <a:t>© 2018, FLL Tutorials, Last Edit 9/24/2018</a:t>
+              <a:t>© 2023, FLL Tutorials, Last Edit 5/29/2023</a:t>
             </a:r>
           </a:p>
         </p:txBody>
@@ -18146,9 +18147,9 @@
           <a:bodyPr/>
           <a:lstStyle/>
           <a:p>
-            <a:fld id="{59F6882F-2ABC-AD4D-93FA-9815C106E0A0}" type="datetime1">
+            <a:fld id="{79FCE79B-A4B6-E84A-9F1F-A7ACB083C394}" type="datetime1">
               <a:rPr lang="en-US" smtClean="0"/>
-              <a:t>9/26/18</a:t>
+              <a:t>5/29/23</a:t>
             </a:fld>
             <a:endParaRPr lang="en-US"/>
           </a:p>
@@ -18171,7 +18172,7 @@
           <a:p>
             <a:r>
               <a:rPr lang="en-US"/>
-              <a:t>© 2018, FLL Tutorials, Last Edit 9/24/2018</a:t>
+              <a:t>© 2023, FLL Tutorials, Last Edit 5/29/2023</a:t>
             </a:r>
           </a:p>
         </p:txBody>
@@ -18327,9 +18328,9 @@
           <a:bodyPr/>
           <a:lstStyle/>
           <a:p>
-            <a:fld id="{297FC3EA-19CA-C049-9969-EA400F908A28}" type="datetime1">
+            <a:fld id="{995E32DF-E856-9C4C-AB09-04C9CFF867E1}" type="datetime1">
               <a:rPr lang="en-US" smtClean="0"/>
-              <a:t>9/26/18</a:t>
+              <a:t>5/29/23</a:t>
             </a:fld>
             <a:endParaRPr lang="en-US"/>
           </a:p>
@@ -18352,7 +18353,7 @@
           <a:p>
             <a:r>
               <a:rPr lang="en-US"/>
-              <a:t>© 2018, FLL Tutorials, Last Edit 9/24/2018</a:t>
+              <a:t>© 2023, FLL Tutorials, Last Edit 5/29/2023</a:t>
             </a:r>
           </a:p>
         </p:txBody>
@@ -18644,9 +18645,9 @@
             </a:lvl1pPr>
           </a:lstStyle>
           <a:p>
-            <a:fld id="{1D34298E-615E-AC4C-ADA0-390A27D00351}" type="datetime1">
+            <a:fld id="{4E4ED7C4-6E6A-F242-8F9F-C3C915A68DF7}" type="datetime1">
               <a:rPr lang="en-US" smtClean="0"/>
-              <a:t>9/26/18</a:t>
+              <a:t>5/29/23</a:t>
             </a:fld>
             <a:endParaRPr lang="en-US"/>
           </a:p>
@@ -18688,7 +18689,7 @@
           <a:p>
             <a:r>
               <a:rPr lang="en-US"/>
-              <a:t>© 2018, FLL Tutorials, Last Edit 9/24/2018</a:t>
+              <a:t>© 2023, FLL Tutorials, Last Edit 5/29/2023</a:t>
             </a:r>
           </a:p>
         </p:txBody>
@@ -18977,9 +18978,9 @@
             </a:lvl1pPr>
           </a:lstStyle>
           <a:p>
-            <a:fld id="{7E8CF3DB-8F6A-AE47-8AA7-14A6BEFFFAE0}" type="datetime1">
+            <a:fld id="{D1BA8DE0-F8FF-4241-A005-4F1CD3D77E29}" type="datetime1">
               <a:rPr lang="en-US" smtClean="0"/>
-              <a:t>9/26/18</a:t>
+              <a:t>5/29/23</a:t>
             </a:fld>
             <a:endParaRPr lang="en-US"/>
           </a:p>
@@ -19024,7 +19025,7 @@
           <a:p>
             <a:r>
               <a:rPr lang="en-US"/>
-              <a:t>© 2018, FLL Tutorials, Last Edit 9/24/2018</a:t>
+              <a:t>© 2023, FLL Tutorials, Last Edit 5/29/2023</a:t>
             </a:r>
           </a:p>
         </p:txBody>
@@ -19431,7 +19432,7 @@
             <a:fld id="{B61BEF0D-F0BB-DE4B-95CE-6DB70DBA9567}" type="datetimeFigureOut">
               <a:rPr lang="en-US" smtClean="0"/>
               <a:pPr/>
-              <a:t>9/26/18</a:t>
+              <a:t>5/29/23</a:t>
             </a:fld>
             <a:endParaRPr lang="en-US" dirty="0"/>
           </a:p>
@@ -19747,9 +19748,9 @@
           <a:bodyPr/>
           <a:lstStyle/>
           <a:p>
-            <a:fld id="{DDF9655C-F7CB-8249-8A66-DE927C566B70}" type="datetime1">
+            <a:fld id="{1915AA2A-AA75-B843-900B-87EA590C52A8}" type="datetime1">
               <a:rPr lang="en-US" smtClean="0"/>
-              <a:t>9/26/18</a:t>
+              <a:t>5/29/23</a:t>
             </a:fld>
             <a:endParaRPr lang="en-US"/>
           </a:p>
@@ -19772,7 +19773,7 @@
           <a:p>
             <a:r>
               <a:rPr lang="en-US"/>
-              <a:t>© 2018, FLL Tutorials, Last Edit 9/24/2018</a:t>
+              <a:t>© 2023, FLL Tutorials, Last Edit 5/29/2023</a:t>
             </a:r>
           </a:p>
         </p:txBody>
@@ -20033,9 +20034,9 @@
           <a:bodyPr/>
           <a:lstStyle/>
           <a:p>
-            <a:fld id="{D23278BC-C6B7-7846-8D56-B3A2742AA877}" type="datetime1">
+            <a:fld id="{575E3D3E-AED7-5F42-B6C8-DDCE817F104A}" type="datetime1">
               <a:rPr lang="en-US" smtClean="0"/>
-              <a:t>9/26/18</a:t>
+              <a:t>5/29/23</a:t>
             </a:fld>
             <a:endParaRPr lang="en-US"/>
           </a:p>
@@ -20066,7 +20067,7 @@
           <a:p>
             <a:r>
               <a:rPr lang="en-US"/>
-              <a:t>© 2018, FLL Tutorials, Last Edit 9/24/2018</a:t>
+              <a:t>© 2023, FLL Tutorials, Last Edit 5/29/2023</a:t>
             </a:r>
           </a:p>
         </p:txBody>
@@ -20481,9 +20482,9 @@
           <a:bodyPr/>
           <a:lstStyle/>
           <a:p>
-            <a:fld id="{F8172E7B-15C1-B446-A6FD-D238AC4980EA}" type="datetime1">
+            <a:fld id="{585357CE-A5BD-E041-9504-45A747043606}" type="datetime1">
               <a:rPr lang="en-US" smtClean="0"/>
-              <a:t>9/26/18</a:t>
+              <a:t>5/29/23</a:t>
             </a:fld>
             <a:endParaRPr lang="en-US"/>
           </a:p>
@@ -20514,7 +20515,7 @@
           <a:p>
             <a:r>
               <a:rPr lang="en-US"/>
-              <a:t>© 2018, FLL Tutorials, Last Edit 9/24/2018</a:t>
+              <a:t>© 2023, FLL Tutorials, Last Edit 5/29/2023</a:t>
             </a:r>
           </a:p>
         </p:txBody>
@@ -20665,9 +20666,9 @@
           <a:bodyPr/>
           <a:lstStyle/>
           <a:p>
-            <a:fld id="{FA4C130A-F5B6-584F-8E21-7EBE3B9EE0D2}" type="datetime1">
+            <a:fld id="{2643BAD9-3869-E243-B73A-200A64FB09EC}" type="datetime1">
               <a:rPr lang="en-US" smtClean="0"/>
-              <a:t>9/26/18</a:t>
+              <a:t>5/29/23</a:t>
             </a:fld>
             <a:endParaRPr lang="en-US"/>
           </a:p>
@@ -20698,7 +20699,7 @@
           <a:p>
             <a:r>
               <a:rPr lang="en-US"/>
-              <a:t>© 2018, FLL Tutorials, Last Edit 9/24/2018</a:t>
+              <a:t>© 2023, FLL Tutorials, Last Edit 5/29/2023</a:t>
             </a:r>
           </a:p>
         </p:txBody>
@@ -20787,9 +20788,9 @@
           <a:bodyPr/>
           <a:lstStyle/>
           <a:p>
-            <a:fld id="{D14047B1-7032-2846-83D9-B3C47AF0EF9E}" type="datetime1">
+            <a:fld id="{2EB53819-77DF-BF44-AD32-31B4D9C96BF9}" type="datetime1">
               <a:rPr lang="en-US" smtClean="0"/>
-              <a:t>9/26/18</a:t>
+              <a:t>5/29/23</a:t>
             </a:fld>
             <a:endParaRPr lang="en-US"/>
           </a:p>
@@ -20820,7 +20821,7 @@
           <a:p>
             <a:r>
               <a:rPr lang="en-US"/>
-              <a:t>© 2018, FLL Tutorials, Last Edit 9/24/2018</a:t>
+              <a:t>© 2023, FLL Tutorials, Last Edit 5/29/2023</a:t>
             </a:r>
           </a:p>
         </p:txBody>
@@ -21192,9 +21193,9 @@
             </a:lvl1pPr>
           </a:lstStyle>
           <a:p>
-            <a:fld id="{D9E73360-4211-C84E-96DF-60855C7A5343}" type="datetime1">
+            <a:fld id="{3D45E531-7B60-224A-B6F9-7AF4645FA461}" type="datetime1">
               <a:rPr lang="en-US" smtClean="0"/>
-              <a:t>9/26/18</a:t>
+              <a:t>5/29/23</a:t>
             </a:fld>
             <a:endParaRPr lang="en-US"/>
           </a:p>
@@ -21236,7 +21237,7 @@
           <a:p>
             <a:r>
               <a:rPr lang="en-US"/>
-              <a:t>© 2018, FLL Tutorials, Last Edit 9/24/2018</a:t>
+              <a:t>© 2023, FLL Tutorials, Last Edit 5/29/2023</a:t>
             </a:r>
           </a:p>
         </p:txBody>
@@ -21508,9 +21509,9 @@
           <a:bodyPr/>
           <a:lstStyle/>
           <a:p>
-            <a:fld id="{81B0B132-F071-154B-A117-7002203186A0}" type="datetime1">
+            <a:fld id="{8A5ACF01-313D-2442-87BE-99C4CB73044E}" type="datetime1">
               <a:rPr lang="en-US" smtClean="0"/>
-              <a:t>9/26/18</a:t>
+              <a:t>5/29/23</a:t>
             </a:fld>
             <a:endParaRPr lang="en-US"/>
           </a:p>
@@ -21541,7 +21542,7 @@
           <a:p>
             <a:r>
               <a:rPr lang="en-US"/>
-              <a:t>© 2018, FLL Tutorials, Last Edit 9/24/2018</a:t>
+              <a:t>© 2023, FLL Tutorials, Last Edit 5/29/2023</a:t>
             </a:r>
           </a:p>
         </p:txBody>
@@ -21760,9 +21761,9 @@
           <a:bodyPr/>
           <a:lstStyle/>
           <a:p>
-            <a:fld id="{828E0CD3-9B6E-AB4E-9D40-26A37836209F}" type="datetime1">
+            <a:fld id="{DFD307F2-6572-A643-8B42-31492DD0068F}" type="datetime1">
               <a:rPr lang="en-US" smtClean="0"/>
-              <a:t>9/26/18</a:t>
+              <a:t>5/29/23</a:t>
             </a:fld>
             <a:endParaRPr lang="en-US"/>
           </a:p>
@@ -21793,7 +21794,7 @@
           <a:p>
             <a:r>
               <a:rPr lang="en-US"/>
-              <a:t>© 2018, FLL Tutorials, Last Edit 9/24/2018</a:t>
+              <a:t>© 2023, FLL Tutorials, Last Edit 5/29/2023</a:t>
             </a:r>
           </a:p>
         </p:txBody>
@@ -22017,9 +22018,9 @@
             </a:lvl1pPr>
           </a:lstStyle>
           <a:p>
-            <a:fld id="{F4CEC744-21D4-5343-B0DF-B5545C98A871}" type="datetime1">
+            <a:fld id="{495CC152-030B-4941-B126-0B04D9DA7986}" type="datetime1">
               <a:rPr lang="en-US" smtClean="0"/>
-              <a:t>9/26/18</a:t>
+              <a:t>5/29/23</a:t>
             </a:fld>
             <a:endParaRPr lang="en-US"/>
           </a:p>
@@ -22050,7 +22051,7 @@
           <a:p>
             <a:r>
               <a:rPr lang="en-US"/>
-              <a:t>© 2018, FLL Tutorials, Last Edit 9/24/2018</a:t>
+              <a:t>© 2023, FLL Tutorials, Last Edit 5/29/2023</a:t>
             </a:r>
           </a:p>
         </p:txBody>
@@ -22294,9 +22295,9 @@
           <a:bodyPr/>
           <a:lstStyle/>
           <a:p>
-            <a:fld id="{6D34CA68-DFB5-5B46-8DBA-14C6BB8F7386}" type="datetime1">
+            <a:fld id="{CC3D549D-8A3B-5F48-A7B7-E042422220DF}" type="datetime1">
               <a:rPr lang="en-US" smtClean="0"/>
-              <a:t>9/26/18</a:t>
+              <a:t>5/29/23</a:t>
             </a:fld>
             <a:endParaRPr lang="en-US"/>
           </a:p>
@@ -22319,7 +22320,7 @@
           <a:p>
             <a:r>
               <a:rPr lang="en-US"/>
-              <a:t>© 2018, FLL Tutorials, Last Edit 9/24/2018</a:t>
+              <a:t>© 2023, FLL Tutorials, Last Edit 5/29/2023</a:t>
             </a:r>
           </a:p>
         </p:txBody>
@@ -22594,9 +22595,9 @@
           <a:bodyPr/>
           <a:lstStyle/>
           <a:p>
-            <a:fld id="{F50CA174-D52A-6A45-93C2-7E9A42824FB8}" type="datetime1">
+            <a:fld id="{B5F8A50E-8038-C649-84AB-517079821D7B}" type="datetime1">
               <a:rPr lang="en-US" smtClean="0"/>
-              <a:t>9/26/18</a:t>
+              <a:t>5/29/23</a:t>
             </a:fld>
             <a:endParaRPr lang="en-US"/>
           </a:p>
@@ -22619,7 +22620,7 @@
           <a:p>
             <a:r>
               <a:rPr lang="en-US"/>
-              <a:t>© 2018, FLL Tutorials, Last Edit 9/24/2018</a:t>
+              <a:t>© 2023, FLL Tutorials, Last Edit 5/29/2023</a:t>
             </a:r>
           </a:p>
         </p:txBody>
@@ -22895,9 +22896,9 @@
             </a:lvl1pPr>
           </a:lstStyle>
           <a:p>
-            <a:fld id="{B81A1307-5DE7-DC47-9F31-589BF03FD590}" type="datetime1">
+            <a:fld id="{88C764A0-7441-4447-B6DA-E3E98A22DFCA}" type="datetime1">
               <a:rPr lang="en-US" smtClean="0"/>
-              <a:t>9/26/18</a:t>
+              <a:t>5/29/23</a:t>
             </a:fld>
             <a:endParaRPr lang="en-US"/>
           </a:p>
@@ -22936,7 +22937,7 @@
           <a:p>
             <a:r>
               <a:rPr lang="en-US"/>
-              <a:t>© 2018, FLL Tutorials, Last Edit 9/24/2018</a:t>
+              <a:t>© 2023, FLL Tutorials, Last Edit 5/29/2023</a:t>
             </a:r>
           </a:p>
         </p:txBody>
@@ -23847,9 +23848,9 @@
             </a:lvl1pPr>
           </a:lstStyle>
           <a:p>
-            <a:fld id="{F7AD00C6-7ECB-B548-9DD5-5BA2F1D61236}" type="datetime1">
+            <a:fld id="{AAB45F35-0940-A94D-B870-5C1AAA699728}" type="datetime1">
               <a:rPr lang="en-US" smtClean="0"/>
-              <a:t>9/26/18</a:t>
+              <a:t>5/29/23</a:t>
             </a:fld>
             <a:endParaRPr lang="en-US"/>
           </a:p>
@@ -23888,7 +23889,7 @@
           <a:p>
             <a:r>
               <a:rPr lang="en-US"/>
-              <a:t>© 2018, FLL Tutorials, Last Edit 9/24/2018</a:t>
+              <a:t>© 2023, FLL Tutorials, Last Edit 5/29/2023</a:t>
             </a:r>
           </a:p>
         </p:txBody>
@@ -24905,9 +24906,9 @@
             </a:lvl1pPr>
           </a:lstStyle>
           <a:p>
-            <a:fld id="{429A0069-010E-824C-B168-2C2E2F6F90FA}" type="datetime1">
+            <a:fld id="{1FC8221B-4062-8942-91D4-98D51FA1D190}" type="datetime1">
               <a:rPr lang="en-US" smtClean="0"/>
-              <a:t>9/26/18</a:t>
+              <a:t>5/29/23</a:t>
             </a:fld>
             <a:endParaRPr lang="en-US"/>
           </a:p>
@@ -24948,7 +24949,7 @@
           <a:p>
             <a:r>
               <a:rPr lang="en-US"/>
-              <a:t>© 2018, FLL Tutorials, Last Edit 9/24/2018</a:t>
+              <a:t>© 2023, FLL Tutorials, Last Edit 5/29/2023</a:t>
             </a:r>
           </a:p>
         </p:txBody>
@@ -25447,9 +25448,9 @@
             </a:lvl1pPr>
           </a:lstStyle>
           <a:p>
-            <a:fld id="{255AA62E-8E34-8C4F-8401-63C83DFE751D}" type="datetime1">
+            <a:fld id="{1E9F83DE-42DA-C347-BB9C-438ECECC7877}" type="datetime1">
               <a:rPr lang="en-US" smtClean="0"/>
-              <a:t>9/26/18</a:t>
+              <a:t>5/29/23</a:t>
             </a:fld>
             <a:endParaRPr lang="en-US"/>
           </a:p>
@@ -25488,7 +25489,7 @@
           <a:p>
             <a:r>
               <a:rPr lang="en-US"/>
-              <a:t>© 2018, FLL Tutorials, Last Edit 9/24/2018</a:t>
+              <a:t>© 2023, FLL Tutorials, Last Edit 5/29/2023</a:t>
             </a:r>
           </a:p>
         </p:txBody>
@@ -26816,9 +26817,9 @@
             </a:lvl1pPr>
           </a:lstStyle>
           <a:p>
-            <a:fld id="{AD3524FC-131F-D44B-A0D7-70CAC36D6513}" type="datetime1">
+            <a:fld id="{9B23B7E4-4361-744E-A524-0E6EC677C014}" type="datetime1">
               <a:rPr lang="en-US" smtClean="0"/>
-              <a:t>9/26/18</a:t>
+              <a:t>5/29/23</a:t>
             </a:fld>
             <a:endParaRPr lang="en-US"/>
           </a:p>
@@ -26857,7 +26858,7 @@
           <a:p>
             <a:r>
               <a:rPr lang="en-US"/>
-              <a:t>© 2018, FLL Tutorials, Last Edit 9/24/2018</a:t>
+              <a:t>© 2023, FLL Tutorials, Last Edit 5/29/2023</a:t>
             </a:r>
           </a:p>
         </p:txBody>
@@ -27894,9 +27895,9 @@
             </a:lvl1pPr>
           </a:lstStyle>
           <a:p>
-            <a:fld id="{445ACD22-7401-0843-878D-90EF4D2191FA}" type="datetime1">
+            <a:fld id="{FE7F2D98-AA08-5043-BA5F-37BFFF22F678}" type="datetime1">
               <a:rPr lang="en-US" smtClean="0"/>
-              <a:t>9/26/18</a:t>
+              <a:t>5/29/23</a:t>
             </a:fld>
             <a:endParaRPr lang="en-US"/>
           </a:p>
@@ -27937,7 +27938,7 @@
           <a:p>
             <a:r>
               <a:rPr lang="en-US"/>
-              <a:t>© 2018, FLL Tutorials, Last Edit 9/24/2018</a:t>
+              <a:t>© 2023, FLL Tutorials, Last Edit 5/29/2023</a:t>
             </a:r>
           </a:p>
         </p:txBody>
@@ -28556,9 +28557,9 @@
             </a:lvl1pPr>
           </a:lstStyle>
           <a:p>
-            <a:fld id="{04989A80-F230-0E40-AD7F-BA3E6535F6DA}" type="datetime1">
+            <a:fld id="{7F8A3B88-C298-534D-B711-F3A28F207B56}" type="datetime1">
               <a:rPr lang="en-US" smtClean="0"/>
-              <a:t>9/26/18</a:t>
+              <a:t>5/29/23</a:t>
             </a:fld>
             <a:endParaRPr lang="en-US"/>
           </a:p>
@@ -28606,7 +28607,7 @@
           <a:p>
             <a:r>
               <a:rPr lang="en-US"/>
-              <a:t>© 2018, FLL Tutorials, Last Edit 9/24/2018</a:t>
+              <a:t>© 2023, FLL Tutorials, Last Edit 5/29/2023</a:t>
             </a:r>
           </a:p>
         </p:txBody>
@@ -29083,14 +29084,14 @@
         <p:spPr/>
         <p:txBody>
           <a:bodyPr>
-            <a:normAutofit/>
+            <a:normAutofit fontScale="90000"/>
           </a:bodyPr>
           <a:lstStyle/>
           <a:p>
             <a:pPr algn="ctr"/>
             <a:r>
               <a:rPr lang="en-US" dirty="0"/>
-              <a:t>SAVING TIME</a:t>
+              <a:t>INCREASING EFFICIENCY IN THE ROBOT GAME</a:t>
             </a:r>
           </a:p>
         </p:txBody>
@@ -29191,20 +29192,37 @@
             <p:ph idx="1"/>
           </p:nvPr>
         </p:nvSpPr>
-        <p:spPr/>
-        <p:txBody>
-          <a:bodyPr/>
-          <a:lstStyle/>
-          <a:p>
-            <a:r>
-              <a:rPr lang="en-US" dirty="0"/>
-              <a:t>FIRST LEGO League robot runs only last 2 mins and 30 seconds</a:t>
-            </a:r>
-          </a:p>
-          <a:p>
-            <a:r>
-              <a:rPr lang="en-US" dirty="0"/>
-              <a:t>How do you maximize your points?</a:t>
+        <p:spPr>
+          <a:xfrm>
+            <a:off x="448092" y="1505583"/>
+            <a:ext cx="8232770" cy="4353215"/>
+          </a:xfrm>
+        </p:spPr>
+        <p:txBody>
+          <a:bodyPr>
+            <a:normAutofit/>
+          </a:bodyPr>
+          <a:lstStyle/>
+          <a:p>
+            <a:r>
+              <a:rPr lang="en-US" sz="2800" i="1" dirty="0"/>
+              <a:t>FIRST</a:t>
+            </a:r>
+            <a:r>
+              <a:rPr lang="en-US" sz="2800" dirty="0"/>
+              <a:t> LEGO League robot runs only last 2 mins and 30 seconds</a:t>
+            </a:r>
+          </a:p>
+          <a:p>
+            <a:r>
+              <a:rPr lang="en-US" sz="2800" dirty="0"/>
+              <a:t>How do some teams manage to complete so many missions in that time while others do not?</a:t>
+            </a:r>
+          </a:p>
+          <a:p>
+            <a:r>
+              <a:rPr lang="en-US" sz="2800" dirty="0"/>
+              <a:t>This lessons shares some tips to increase your robot efficiency</a:t>
             </a:r>
           </a:p>
         </p:txBody>
@@ -29232,7 +29250,7 @@
           <a:p>
             <a:r>
               <a:rPr lang="en-US"/>
-              <a:t>© 2018, FLL Tutorials, Last Edit 9/24/2018</a:t>
+              <a:t>© 2023, FLL Tutorials, Last Edit 5/29/2023</a:t>
             </a:r>
           </a:p>
         </p:txBody>
@@ -29314,12 +29332,14 @@
         </p:nvSpPr>
         <p:spPr/>
         <p:txBody>
-          <a:bodyPr/>
+          <a:bodyPr>
+            <a:normAutofit fontScale="90000"/>
+          </a:bodyPr>
           <a:lstStyle/>
           <a:p>
             <a:r>
               <a:rPr lang="en-US" dirty="0"/>
-              <a:t>GROUP MISSIONS</a:t>
+              <a:t>GROUP MISSIONS together into a single Run</a:t>
             </a:r>
           </a:p>
         </p:txBody>
@@ -29342,22 +29362,50 @@
         </p:nvSpPr>
         <p:spPr/>
         <p:txBody>
-          <a:bodyPr/>
-          <a:lstStyle/>
-          <a:p>
-            <a:r>
-              <a:rPr lang="en-US" dirty="0"/>
-              <a:t>Pros:</a:t>
-            </a:r>
-          </a:p>
-          <a:p>
-            <a:endParaRPr lang="en-US" dirty="0"/>
-          </a:p>
-          <a:p>
-            <a:r>
-              <a:rPr lang="en-US" dirty="0"/>
-              <a:t>Cons:</a:t>
-            </a:r>
+          <a:bodyPr>
+            <a:normAutofit fontScale="92500" lnSpcReduction="10000"/>
+          </a:bodyPr>
+          <a:lstStyle/>
+          <a:p>
+            <a:r>
+              <a:rPr lang="en-US" sz="2800" dirty="0"/>
+              <a:t>Your robot game strategy is important. Before you begin, think about which mission might be grouped together in a single </a:t>
+            </a:r>
+            <a:r>
+              <a:rPr lang="en-US" sz="2800" dirty="0" err="1"/>
+              <a:t>lauch</a:t>
+            </a:r>
+            <a:endParaRPr lang="en-US" sz="2800" dirty="0"/>
+          </a:p>
+          <a:p>
+            <a:r>
+              <a:rPr lang="en-US" sz="2800" dirty="0"/>
+              <a:t>Completing many missions every time you leave the Launch Area avoids time wasted in Home.</a:t>
+            </a:r>
+          </a:p>
+          <a:p>
+            <a:r>
+              <a:rPr lang="en-US" sz="2800" dirty="0"/>
+              <a:t>However, if something goes wrong in that run, you will lose a lot of points</a:t>
+            </a:r>
+          </a:p>
+          <a:p>
+            <a:r>
+              <a:rPr lang="en-US" sz="2800" dirty="0"/>
+              <a:t>Therefore, you have to make sure that all your robot runs are reliable if you plan to combine many missions</a:t>
+            </a:r>
+          </a:p>
+          <a:p>
+            <a:pPr lvl="1"/>
+            <a:r>
+              <a:rPr lang="en-US" sz="2400" dirty="0"/>
+              <a:t>See 8 lessons related to Robot Reliability on </a:t>
+            </a:r>
+            <a:r>
+              <a:rPr lang="en-US" sz="2400" dirty="0" err="1"/>
+              <a:t>FLLTutorials.com</a:t>
+            </a:r>
+            <a:endParaRPr lang="en-US" sz="2400" dirty="0"/>
           </a:p>
         </p:txBody>
       </p:sp>
@@ -29384,7 +29432,7 @@
           <a:p>
             <a:r>
               <a:rPr lang="en-US"/>
-              <a:t>© 2018, FLL Tutorials, Last Edit 9/24/2018</a:t>
+              <a:t>© 2023, FLL Tutorials, Last Edit 5/29/2023</a:t>
             </a:r>
           </a:p>
         </p:txBody>
@@ -29464,7 +29512,12 @@
             <p:ph type="title"/>
           </p:nvPr>
         </p:nvSpPr>
-        <p:spPr/>
+        <p:spPr>
+          <a:xfrm>
+            <a:off x="581192" y="687475"/>
+            <a:ext cx="7989752" cy="596796"/>
+          </a:xfrm>
+        </p:spPr>
         <p:txBody>
           <a:bodyPr/>
           <a:lstStyle/>
@@ -29493,30 +29546,39 @@
             <p:ph idx="1"/>
           </p:nvPr>
         </p:nvSpPr>
-        <p:spPr/>
-        <p:txBody>
-          <a:bodyPr/>
-          <a:lstStyle/>
-          <a:p>
-            <a:pPr marL="382200" indent="-457200">
-              <a:buSzPts val="2400"/>
-              <a:buFont typeface="Wingdings" pitchFamily="2" charset="2"/>
-              <a:buChar char="§"/>
-            </a:pPr>
-            <a:r>
-              <a:rPr lang="en-US" sz="2000" dirty="0"/>
-              <a:t>Pros</a:t>
-            </a:r>
-          </a:p>
-          <a:p>
-            <a:pPr marL="382200" indent="-457200">
-              <a:buSzPts val="2400"/>
-              <a:buFont typeface="Wingdings" pitchFamily="2" charset="2"/>
-              <a:buChar char="§"/>
-            </a:pPr>
-            <a:r>
-              <a:rPr lang="en-US" sz="2000" dirty="0"/>
-              <a:t>Cons</a:t>
+        <p:spPr>
+          <a:xfrm>
+            <a:off x="448091" y="1505583"/>
+            <a:ext cx="8238707" cy="4353215"/>
+          </a:xfrm>
+        </p:spPr>
+        <p:txBody>
+          <a:bodyPr>
+            <a:normAutofit/>
+          </a:bodyPr>
+          <a:lstStyle/>
+          <a:p>
+            <a:r>
+              <a:rPr lang="en-US" sz="2800" dirty="0"/>
+              <a:t>Attachment changes generally cost a lot of time</a:t>
+            </a:r>
+          </a:p>
+          <a:p>
+            <a:r>
+              <a:rPr lang="en-US" sz="2800" dirty="0"/>
+              <a:t>Students also tend to make mistakes during the attachment changes when they are nervous during a robot match</a:t>
+            </a:r>
+          </a:p>
+          <a:p>
+            <a:r>
+              <a:rPr lang="en-US" sz="2800" dirty="0"/>
+              <a:t>Minimizing the number of attachments and changes needed in Home will help</a:t>
+            </a:r>
+          </a:p>
+          <a:p>
+            <a:r>
+              <a:rPr lang="en-US" sz="2800" dirty="0"/>
+              <a:t>Try to think of ways in which a single attachment might serve more than one purpose</a:t>
             </a:r>
           </a:p>
         </p:txBody>
@@ -29537,14 +29599,19 @@
             <p:ph type="ftr" sz="quarter" idx="11"/>
           </p:nvPr>
         </p:nvSpPr>
-        <p:spPr/>
-        <p:txBody>
-          <a:bodyPr/>
-          <a:lstStyle/>
-          <a:p>
-            <a:r>
-              <a:rPr lang="en-US"/>
-              <a:t>© 2018, FLL Tutorials, Last Edit 9/24/2018</a:t>
+        <p:spPr>
+          <a:xfrm>
+            <a:off x="581192" y="6387916"/>
+            <a:ext cx="4870585" cy="365125"/>
+          </a:xfrm>
+        </p:spPr>
+        <p:txBody>
+          <a:bodyPr/>
+          <a:lstStyle/>
+          <a:p>
+            <a:r>
+              <a:rPr lang="en-US"/>
+              <a:t>© 2023, FLL Tutorials, Last Edit 5/29/2023</a:t>
             </a:r>
           </a:p>
         </p:txBody>
@@ -29565,13 +29632,19 @@
             <p:ph type="sldNum" sz="quarter" idx="12"/>
           </p:nvPr>
         </p:nvSpPr>
-        <p:spPr/>
+        <p:spPr>
+          <a:xfrm>
+            <a:off x="7800476" y="6392242"/>
+            <a:ext cx="770468" cy="365125"/>
+          </a:xfrm>
+        </p:spPr>
         <p:txBody>
           <a:bodyPr/>
           <a:lstStyle/>
           <a:p>
             <a:fld id="{4DBC7FC8-25FB-FC45-8177-2B991DA6778C}" type="slidenum">
               <a:rPr lang="en-US" smtClean="0"/>
+              <a:pPr/>
               <a:t>4</a:t>
             </a:fld>
             <a:endParaRPr lang="en-US" dirty="0"/>
@@ -29656,10 +29729,42 @@
         </p:nvSpPr>
         <p:spPr/>
         <p:txBody>
-          <a:bodyPr/>
-          <a:lstStyle/>
-          <a:p>
-            <a:endParaRPr lang="en-US"/>
+          <a:bodyPr>
+            <a:normAutofit/>
+          </a:bodyPr>
+          <a:lstStyle/>
+          <a:p>
+            <a:r>
+              <a:rPr lang="en-US" sz="2800" dirty="0"/>
+              <a:t>One approach is to have no attachment changes at all!</a:t>
+            </a:r>
+          </a:p>
+          <a:p>
+            <a:pPr lvl="1"/>
+            <a:r>
+              <a:rPr lang="en-US" sz="2400" dirty="0"/>
+              <a:t>Depending upon the season, this might be possible.</a:t>
+            </a:r>
+          </a:p>
+          <a:p>
+            <a:pPr lvl="1"/>
+            <a:r>
+              <a:rPr lang="en-US" sz="2400" dirty="0"/>
+              <a:t>Either have one set of attachments on that complete all/most missions</a:t>
+            </a:r>
+          </a:p>
+          <a:p>
+            <a:pPr lvl="1"/>
+            <a:r>
+              <a:rPr lang="en-US" sz="2400" dirty="0"/>
+              <a:t>Or have the approach of only taking off attachments from the robot (never adding anything new)</a:t>
+            </a:r>
+          </a:p>
+          <a:p>
+            <a:r>
+              <a:rPr lang="en-US" sz="2800" dirty="0"/>
+              <a:t>A lot of missions tend to be one action (e.g. push or lift).</a:t>
+            </a:r>
           </a:p>
         </p:txBody>
       </p:sp>
@@ -29686,7 +29791,7 @@
           <a:p>
             <a:r>
               <a:rPr lang="en-US"/>
-              <a:t>© 2018, FLL Tutorials, Last Edit 9/24/2018</a:t>
+              <a:t>© 2023, FLL Tutorials, Last Edit 5/29/2023</a:t>
             </a:r>
           </a:p>
         </p:txBody>
@@ -29773,7 +29878,7 @@
           <a:p>
             <a:r>
               <a:rPr lang="en" dirty="0"/>
-              <a:t>Make base changes faster</a:t>
+              <a:t>MAKE CHANGES in HOME FASTER</a:t>
             </a:r>
             <a:endParaRPr lang="es-ES_tradnl" dirty="0"/>
           </a:p>
@@ -29797,19 +29902,21 @@
         </p:nvSpPr>
         <p:spPr>
           <a:xfrm>
-            <a:off x="448092" y="1505583"/>
-            <a:ext cx="4135060" cy="4353215"/>
+            <a:off x="448091" y="1505583"/>
+            <a:ext cx="8220895" cy="4664942"/>
           </a:xfrm>
         </p:spPr>
         <p:txBody>
-          <a:bodyPr/>
+          <a:bodyPr>
+            <a:normAutofit/>
+          </a:bodyPr>
           <a:lstStyle/>
           <a:p>
             <a:pPr>
               <a:buSzPts val="2400"/>
             </a:pPr>
             <a:r>
-              <a:rPr lang="en-US" sz="2000" dirty="0"/>
+              <a:rPr lang="en-US" sz="2400" dirty="0"/>
               <a:t>Make adding and taking off attachments as easy as possible to save time</a:t>
             </a:r>
           </a:p>
@@ -29818,7 +29925,7 @@
               <a:buSzPts val="2400"/>
             </a:pPr>
             <a:r>
-              <a:rPr lang="en-US" sz="1600" dirty="0"/>
+              <a:rPr lang="en-US" sz="1800" dirty="0"/>
               <a:t>Using friction pegs to add attachments takes time</a:t>
             </a:r>
           </a:p>
@@ -29827,35 +29934,54 @@
               <a:buSzPts val="2400"/>
             </a:pPr>
             <a:r>
-              <a:rPr lang="en-US" sz="1600" dirty="0"/>
-              <a:t>Use</a:t>
-            </a:r>
+              <a:rPr lang="en-US" sz="1800" dirty="0"/>
+              <a:t>Attaching directly to a motor can take time</a:t>
+            </a:r>
+          </a:p>
+          <a:p>
+            <a:pPr lvl="1">
+              <a:buSzPts val="2400"/>
+            </a:pPr>
+            <a:r>
+              <a:rPr lang="en-US" sz="1800" dirty="0"/>
+              <a:t>Think about how to slide on and lock attachments in place quickly</a:t>
+            </a:r>
+            <a:endParaRPr lang="en-US" sz="2400" dirty="0"/>
           </a:p>
           <a:p>
             <a:pPr>
               <a:buSzPts val="2400"/>
             </a:pPr>
-            <a:endParaRPr lang="en-US" sz="2000" dirty="0"/>
+            <a:r>
+              <a:rPr lang="en-US" sz="2400" dirty="0"/>
+              <a:t>Practice the changes again and again with your teammates to reduce time spent in Home</a:t>
+            </a:r>
           </a:p>
           <a:p>
             <a:pPr>
               <a:buSzPts val="2400"/>
             </a:pPr>
-            <a:endParaRPr lang="en-US" sz="2000" dirty="0"/>
-          </a:p>
-          <a:p>
-            <a:pPr>
+            <a:r>
+              <a:rPr lang="en-US" sz="2400" dirty="0"/>
+              <a:t>Many teams struggle to align their robot in Launch Area</a:t>
+            </a:r>
+          </a:p>
+          <a:p>
+            <a:pPr lvl="1">
               <a:buSzPts val="2400"/>
             </a:pPr>
-            <a:endParaRPr lang="en-US" sz="2000" dirty="0"/>
-          </a:p>
-          <a:p>
-            <a:pPr>
+            <a:r>
+              <a:rPr lang="en-US" sz="1800" dirty="0"/>
+              <a:t>Think about how you can either pick just one location for every launch</a:t>
+            </a:r>
+          </a:p>
+          <a:p>
+            <a:pPr lvl="1">
               <a:buSzPts val="2400"/>
             </a:pPr>
             <a:r>
-              <a:rPr lang="en-US" sz="2000" dirty="0"/>
-              <a:t>Practice the changes to reduce time</a:t>
+              <a:rPr lang="en-US" sz="1800" dirty="0"/>
+              <a:t>Or avoid needing an exact location for a launch (e.g. robot finds lines or aligns immediately after a launch)</a:t>
             </a:r>
           </a:p>
         </p:txBody>
@@ -29883,7 +30009,7 @@
           <a:p>
             <a:r>
               <a:rPr lang="en-US"/>
-              <a:t>© 2018, FLL Tutorials, Last Edit 9/24/2018</a:t>
+              <a:t>© 2023, FLL Tutorials, Last Edit 5/29/2023</a:t>
             </a:r>
           </a:p>
         </p:txBody>
@@ -29949,6 +30075,527 @@
       </p:grpSpPr>
       <p:sp>
         <p:nvSpPr>
+          <p:cNvPr id="2" name="Title 1">
+            <a:extLst>
+              <a:ext uri="{FF2B5EF4-FFF2-40B4-BE49-F238E27FC236}">
+                <a16:creationId xmlns:a16="http://schemas.microsoft.com/office/drawing/2014/main" id="{C690F9E2-548A-16DD-86AF-30504C1112A9}"/>
+              </a:ext>
+            </a:extLst>
+          </p:cNvPr>
+          <p:cNvSpPr>
+            <a:spLocks noGrp="1"/>
+          </p:cNvSpPr>
+          <p:nvPr>
+            <p:ph type="title"/>
+          </p:nvPr>
+        </p:nvSpPr>
+        <p:spPr/>
+        <p:txBody>
+          <a:bodyPr/>
+          <a:lstStyle/>
+          <a:p>
+            <a:r>
+              <a:rPr lang="en-US" dirty="0" err="1"/>
+              <a:t>EaSY</a:t>
+            </a:r>
+            <a:r>
+              <a:rPr lang="en-US" dirty="0"/>
+              <a:t> ON/OFF ATTACHMENTS</a:t>
+            </a:r>
+          </a:p>
+        </p:txBody>
+      </p:sp>
+      <p:sp>
+        <p:nvSpPr>
+          <p:cNvPr id="4" name="Footer Placeholder 3">
+            <a:extLst>
+              <a:ext uri="{FF2B5EF4-FFF2-40B4-BE49-F238E27FC236}">
+                <a16:creationId xmlns:a16="http://schemas.microsoft.com/office/drawing/2014/main" id="{3A4E4DAE-EE34-8599-707E-77B310F7AF5C}"/>
+              </a:ext>
+            </a:extLst>
+          </p:cNvPr>
+          <p:cNvSpPr>
+            <a:spLocks noGrp="1"/>
+          </p:cNvSpPr>
+          <p:nvPr>
+            <p:ph type="ftr" sz="quarter" idx="11"/>
+          </p:nvPr>
+        </p:nvSpPr>
+        <p:spPr/>
+        <p:txBody>
+          <a:bodyPr/>
+          <a:lstStyle/>
+          <a:p>
+            <a:r>
+              <a:rPr lang="en-US"/>
+              <a:t>© 2023, FLL Tutorials, Last Edit 5/29/2023</a:t>
+            </a:r>
+          </a:p>
+        </p:txBody>
+      </p:sp>
+      <p:sp>
+        <p:nvSpPr>
+          <p:cNvPr id="5" name="Slide Number Placeholder 4">
+            <a:extLst>
+              <a:ext uri="{FF2B5EF4-FFF2-40B4-BE49-F238E27FC236}">
+                <a16:creationId xmlns:a16="http://schemas.microsoft.com/office/drawing/2014/main" id="{D9B061C4-B5DF-1249-74D1-E38A943148BD}"/>
+              </a:ext>
+            </a:extLst>
+          </p:cNvPr>
+          <p:cNvSpPr>
+            <a:spLocks noGrp="1"/>
+          </p:cNvSpPr>
+          <p:nvPr>
+            <p:ph type="sldNum" sz="quarter" idx="12"/>
+          </p:nvPr>
+        </p:nvSpPr>
+        <p:spPr/>
+        <p:txBody>
+          <a:bodyPr/>
+          <a:lstStyle/>
+          <a:p>
+            <a:fld id="{4DBC7FC8-25FB-FC45-8177-2B991DA6778C}" type="slidenum">
+              <a:rPr lang="en-US" smtClean="0"/>
+              <a:t>7</a:t>
+            </a:fld>
+            <a:endParaRPr lang="en-US" dirty="0"/>
+          </a:p>
+        </p:txBody>
+      </p:sp>
+      <p:pic>
+        <p:nvPicPr>
+          <p:cNvPr id="10" name="Picture 9" descr="A close up of a toy car&#10;&#10;Description automatically generated">
+            <a:extLst>
+              <a:ext uri="{FF2B5EF4-FFF2-40B4-BE49-F238E27FC236}">
+                <a16:creationId xmlns:a16="http://schemas.microsoft.com/office/drawing/2014/main" id="{630243B7-A82D-2757-20DB-9C60F0D71CC5}"/>
+              </a:ext>
+            </a:extLst>
+          </p:cNvPr>
+          <p:cNvPicPr>
+            <a:picLocks noChangeAspect="1"/>
+          </p:cNvPicPr>
+          <p:nvPr/>
+        </p:nvPicPr>
+        <p:blipFill rotWithShape="1">
+          <a:blip r:embed="rId2"/>
+          <a:srcRect t="16601" b="12639"/>
+          <a:stretch/>
+        </p:blipFill>
+        <p:spPr>
+          <a:xfrm>
+            <a:off x="191900" y="3557889"/>
+            <a:ext cx="3579295" cy="2532702"/>
+          </a:xfrm>
+          <a:prstGeom prst="rect">
+            <a:avLst/>
+          </a:prstGeom>
+        </p:spPr>
+      </p:pic>
+      <p:pic>
+        <p:nvPicPr>
+          <p:cNvPr id="11" name="Picture 10">
+            <a:extLst>
+              <a:ext uri="{FF2B5EF4-FFF2-40B4-BE49-F238E27FC236}">
+                <a16:creationId xmlns:a16="http://schemas.microsoft.com/office/drawing/2014/main" id="{5CB3E66E-BFAA-DCAE-A509-FA65D5A02502}"/>
+              </a:ext>
+            </a:extLst>
+          </p:cNvPr>
+          <p:cNvPicPr>
+            <a:picLocks noChangeAspect="1"/>
+          </p:cNvPicPr>
+          <p:nvPr/>
+        </p:nvPicPr>
+        <p:blipFill>
+          <a:blip r:embed="rId3"/>
+          <a:stretch>
+            <a:fillRect/>
+          </a:stretch>
+        </p:blipFill>
+        <p:spPr>
+          <a:xfrm>
+            <a:off x="3510865" y="1529120"/>
+            <a:ext cx="5633135" cy="2743304"/>
+          </a:xfrm>
+          <a:prstGeom prst="rect">
+            <a:avLst/>
+          </a:prstGeom>
+        </p:spPr>
+      </p:pic>
+      <p:cxnSp>
+        <p:nvCxnSpPr>
+          <p:cNvPr id="12" name="Straight Arrow Connector 11">
+            <a:extLst>
+              <a:ext uri="{FF2B5EF4-FFF2-40B4-BE49-F238E27FC236}">
+                <a16:creationId xmlns:a16="http://schemas.microsoft.com/office/drawing/2014/main" id="{75263CB7-3E56-A507-F8DB-FFDF4329F075}"/>
+              </a:ext>
+            </a:extLst>
+          </p:cNvPr>
+          <p:cNvCxnSpPr>
+            <a:cxnSpLocks/>
+          </p:cNvCxnSpPr>
+          <p:nvPr/>
+        </p:nvCxnSpPr>
+        <p:spPr>
+          <a:xfrm flipH="1">
+            <a:off x="2933205" y="3181418"/>
+            <a:ext cx="2400090" cy="1402457"/>
+          </a:xfrm>
+          <a:prstGeom prst="straightConnector1">
+            <a:avLst/>
+          </a:prstGeom>
+          <a:ln w="57150">
+            <a:solidFill>
+              <a:srgbClr val="FF0000"/>
+            </a:solidFill>
+            <a:tailEnd type="triangle"/>
+          </a:ln>
+        </p:spPr>
+        <p:style>
+          <a:lnRef idx="1">
+            <a:schemeClr val="accent1"/>
+          </a:lnRef>
+          <a:fillRef idx="0">
+            <a:schemeClr val="accent1"/>
+          </a:fillRef>
+          <a:effectRef idx="0">
+            <a:schemeClr val="accent1"/>
+          </a:effectRef>
+          <a:fontRef idx="minor">
+            <a:schemeClr val="tx1"/>
+          </a:fontRef>
+        </p:style>
+      </p:cxnSp>
+      <p:sp>
+        <p:nvSpPr>
+          <p:cNvPr id="13" name="Content Placeholder 2">
+            <a:extLst>
+              <a:ext uri="{FF2B5EF4-FFF2-40B4-BE49-F238E27FC236}">
+                <a16:creationId xmlns:a16="http://schemas.microsoft.com/office/drawing/2014/main" id="{18771667-9685-9247-69D2-DCCFF0410CE9}"/>
+              </a:ext>
+            </a:extLst>
+          </p:cNvPr>
+          <p:cNvSpPr txBox="1">
+            <a:spLocks/>
+          </p:cNvSpPr>
+          <p:nvPr/>
+        </p:nvSpPr>
+        <p:spPr>
+          <a:xfrm>
+            <a:off x="3931577" y="4136395"/>
+            <a:ext cx="3489941" cy="1349500"/>
+          </a:xfrm>
+          <a:prstGeom prst="rect">
+            <a:avLst/>
+          </a:prstGeom>
+          <a:noFill/>
+          <a:ln>
+            <a:noFill/>
+          </a:ln>
+        </p:spPr>
+        <p:txBody>
+          <a:bodyPr spcFirstLastPara="1" wrap="square" lIns="91425" tIns="45700" rIns="91425" bIns="45700" anchor="t" anchorCtr="0">
+            <a:noAutofit/>
+          </a:bodyPr>
+          <a:lstStyle>
+            <a:defPPr marR="0" lvl="0" algn="l" rtl="0">
+              <a:lnSpc>
+                <a:spcPct val="100000"/>
+              </a:lnSpc>
+              <a:spcBef>
+                <a:spcPts val="0"/>
+              </a:spcBef>
+              <a:spcAft>
+                <a:spcPts val="0"/>
+              </a:spcAft>
+            </a:defPPr>
+            <a:lvl1pPr marL="457200" marR="0" lvl="0" indent="-342900" algn="l" rtl="0">
+              <a:lnSpc>
+                <a:spcPct val="90000"/>
+              </a:lnSpc>
+              <a:spcBef>
+                <a:spcPts val="750"/>
+              </a:spcBef>
+              <a:spcAft>
+                <a:spcPts val="0"/>
+              </a:spcAft>
+              <a:buClr>
+                <a:schemeClr val="dk1"/>
+              </a:buClr>
+              <a:buSzPts val="1800"/>
+              <a:buFont typeface="Arial"/>
+              <a:buChar char="•"/>
+              <a:defRPr sz="2800" b="0" i="0" u="none" strike="noStrike" cap="none">
+                <a:solidFill>
+                  <a:schemeClr val="dk1"/>
+                </a:solidFill>
+                <a:latin typeface="Calibri"/>
+                <a:ea typeface="Calibri"/>
+                <a:cs typeface="Calibri"/>
+                <a:sym typeface="Calibri"/>
+              </a:defRPr>
+            </a:lvl1pPr>
+            <a:lvl2pPr marL="914400" marR="0" lvl="1" indent="-342900" algn="l" rtl="0">
+              <a:lnSpc>
+                <a:spcPct val="90000"/>
+              </a:lnSpc>
+              <a:spcBef>
+                <a:spcPts val="375"/>
+              </a:spcBef>
+              <a:spcAft>
+                <a:spcPts val="0"/>
+              </a:spcAft>
+              <a:buClr>
+                <a:schemeClr val="dk1"/>
+              </a:buClr>
+              <a:buSzPts val="1800"/>
+              <a:buFont typeface="Arial"/>
+              <a:buChar char="•"/>
+              <a:defRPr sz="2400" b="0" i="0" u="none" strike="noStrike" cap="none">
+                <a:solidFill>
+                  <a:schemeClr val="dk1"/>
+                </a:solidFill>
+                <a:latin typeface="Calibri"/>
+                <a:ea typeface="Calibri"/>
+                <a:cs typeface="Calibri"/>
+                <a:sym typeface="Calibri"/>
+              </a:defRPr>
+            </a:lvl2pPr>
+            <a:lvl3pPr marL="1371600" marR="0" lvl="2" indent="-342900" algn="l" rtl="0">
+              <a:lnSpc>
+                <a:spcPct val="90000"/>
+              </a:lnSpc>
+              <a:spcBef>
+                <a:spcPts val="375"/>
+              </a:spcBef>
+              <a:spcAft>
+                <a:spcPts val="0"/>
+              </a:spcAft>
+              <a:buClr>
+                <a:schemeClr val="dk1"/>
+              </a:buClr>
+              <a:buSzPts val="1800"/>
+              <a:buFont typeface="Arial"/>
+              <a:buChar char="•"/>
+              <a:defRPr sz="2000" b="0" i="0" u="none" strike="noStrike" cap="none">
+                <a:solidFill>
+                  <a:schemeClr val="dk1"/>
+                </a:solidFill>
+                <a:latin typeface="Calibri"/>
+                <a:ea typeface="Calibri"/>
+                <a:cs typeface="Calibri"/>
+                <a:sym typeface="Calibri"/>
+              </a:defRPr>
+            </a:lvl3pPr>
+            <a:lvl4pPr marL="1828800" marR="0" lvl="3" indent="-342900" algn="l" rtl="0">
+              <a:lnSpc>
+                <a:spcPct val="90000"/>
+              </a:lnSpc>
+              <a:spcBef>
+                <a:spcPts val="375"/>
+              </a:spcBef>
+              <a:spcAft>
+                <a:spcPts val="0"/>
+              </a:spcAft>
+              <a:buClr>
+                <a:schemeClr val="dk1"/>
+              </a:buClr>
+              <a:buSzPts val="1800"/>
+              <a:buFont typeface="Arial"/>
+              <a:buChar char="•"/>
+              <a:defRPr sz="1800" b="0" i="0" u="none" strike="noStrike" cap="none">
+                <a:solidFill>
+                  <a:schemeClr val="dk1"/>
+                </a:solidFill>
+                <a:latin typeface="Calibri"/>
+                <a:ea typeface="Calibri"/>
+                <a:cs typeface="Calibri"/>
+                <a:sym typeface="Calibri"/>
+              </a:defRPr>
+            </a:lvl4pPr>
+            <a:lvl5pPr marL="2286000" marR="0" lvl="4" indent="-342900" algn="l" rtl="0">
+              <a:lnSpc>
+                <a:spcPct val="90000"/>
+              </a:lnSpc>
+              <a:spcBef>
+                <a:spcPts val="375"/>
+              </a:spcBef>
+              <a:spcAft>
+                <a:spcPts val="0"/>
+              </a:spcAft>
+              <a:buClr>
+                <a:schemeClr val="dk1"/>
+              </a:buClr>
+              <a:buSzPts val="1800"/>
+              <a:buFont typeface="Arial"/>
+              <a:buChar char="•"/>
+              <a:defRPr sz="1800" b="0" i="0" u="none" strike="noStrike" cap="none">
+                <a:solidFill>
+                  <a:schemeClr val="dk1"/>
+                </a:solidFill>
+                <a:latin typeface="Calibri"/>
+                <a:ea typeface="Calibri"/>
+                <a:cs typeface="Calibri"/>
+                <a:sym typeface="Calibri"/>
+              </a:defRPr>
+            </a:lvl5pPr>
+            <a:lvl6pPr marL="2743200" marR="0" lvl="5" indent="-342900" algn="l" rtl="0">
+              <a:lnSpc>
+                <a:spcPct val="90000"/>
+              </a:lnSpc>
+              <a:spcBef>
+                <a:spcPts val="375"/>
+              </a:spcBef>
+              <a:spcAft>
+                <a:spcPts val="0"/>
+              </a:spcAft>
+              <a:buClr>
+                <a:schemeClr val="dk1"/>
+              </a:buClr>
+              <a:buSzPts val="1800"/>
+              <a:buFont typeface="Arial"/>
+              <a:buChar char="•"/>
+              <a:defRPr sz="1800" b="0" i="0" u="none" strike="noStrike" cap="none">
+                <a:solidFill>
+                  <a:schemeClr val="dk1"/>
+                </a:solidFill>
+                <a:latin typeface="Calibri"/>
+                <a:ea typeface="Calibri"/>
+                <a:cs typeface="Calibri"/>
+                <a:sym typeface="Calibri"/>
+              </a:defRPr>
+            </a:lvl6pPr>
+            <a:lvl7pPr marL="3200400" marR="0" lvl="6" indent="-342900" algn="l" rtl="0">
+              <a:lnSpc>
+                <a:spcPct val="90000"/>
+              </a:lnSpc>
+              <a:spcBef>
+                <a:spcPts val="375"/>
+              </a:spcBef>
+              <a:spcAft>
+                <a:spcPts val="0"/>
+              </a:spcAft>
+              <a:buClr>
+                <a:schemeClr val="dk1"/>
+              </a:buClr>
+              <a:buSzPts val="1800"/>
+              <a:buFont typeface="Arial"/>
+              <a:buChar char="•"/>
+              <a:defRPr sz="1800" b="0" i="0" u="none" strike="noStrike" cap="none">
+                <a:solidFill>
+                  <a:schemeClr val="dk1"/>
+                </a:solidFill>
+                <a:latin typeface="Calibri"/>
+                <a:ea typeface="Calibri"/>
+                <a:cs typeface="Calibri"/>
+                <a:sym typeface="Calibri"/>
+              </a:defRPr>
+            </a:lvl7pPr>
+            <a:lvl8pPr marL="3657600" marR="0" lvl="7" indent="-342900" algn="l" rtl="0">
+              <a:lnSpc>
+                <a:spcPct val="90000"/>
+              </a:lnSpc>
+              <a:spcBef>
+                <a:spcPts val="375"/>
+              </a:spcBef>
+              <a:spcAft>
+                <a:spcPts val="0"/>
+              </a:spcAft>
+              <a:buClr>
+                <a:schemeClr val="dk1"/>
+              </a:buClr>
+              <a:buSzPts val="1800"/>
+              <a:buFont typeface="Arial"/>
+              <a:buChar char="•"/>
+              <a:defRPr sz="1800" b="0" i="0" u="none" strike="noStrike" cap="none">
+                <a:solidFill>
+                  <a:schemeClr val="dk1"/>
+                </a:solidFill>
+                <a:latin typeface="Calibri"/>
+                <a:ea typeface="Calibri"/>
+                <a:cs typeface="Calibri"/>
+                <a:sym typeface="Calibri"/>
+              </a:defRPr>
+            </a:lvl8pPr>
+            <a:lvl9pPr marL="4114800" marR="0" lvl="8" indent="-342900" algn="l" rtl="0">
+              <a:lnSpc>
+                <a:spcPct val="90000"/>
+              </a:lnSpc>
+              <a:spcBef>
+                <a:spcPts val="375"/>
+              </a:spcBef>
+              <a:spcAft>
+                <a:spcPts val="0"/>
+              </a:spcAft>
+              <a:buClr>
+                <a:schemeClr val="dk1"/>
+              </a:buClr>
+              <a:buSzPts val="1800"/>
+              <a:buFont typeface="Arial"/>
+              <a:buChar char="•"/>
+              <a:defRPr sz="1800" b="0" i="0" u="none" strike="noStrike" cap="none">
+                <a:solidFill>
+                  <a:schemeClr val="dk1"/>
+                </a:solidFill>
+                <a:latin typeface="Calibri"/>
+                <a:ea typeface="Calibri"/>
+                <a:cs typeface="Calibri"/>
+                <a:sym typeface="Calibri"/>
+              </a:defRPr>
+            </a:lvl9pPr>
+          </a:lstStyle>
+          <a:p>
+            <a:pPr marL="114300" indent="0">
+              <a:buNone/>
+            </a:pPr>
+            <a:r>
+              <a:rPr lang="en-US" sz="2400" dirty="0"/>
+              <a:t>Drop on attachments</a:t>
+            </a:r>
+          </a:p>
+          <a:p>
+            <a:pPr marL="114300" indent="0">
+              <a:buNone/>
+            </a:pPr>
+            <a:r>
+              <a:rPr lang="en-US" sz="2400" dirty="0"/>
+              <a:t>Connects to the gears</a:t>
+            </a:r>
+            <a:endParaRPr lang="en-US" dirty="0"/>
+          </a:p>
+        </p:txBody>
+      </p:sp>
+    </p:spTree>
+    <p:extLst>
+      <p:ext uri="{BB962C8B-B14F-4D97-AF65-F5344CB8AC3E}">
+        <p14:creationId xmlns:p14="http://schemas.microsoft.com/office/powerpoint/2010/main" val="2671490515"/>
+      </p:ext>
+    </p:extLst>
+  </p:cSld>
+  <p:clrMapOvr>
+    <a:masterClrMapping/>
+  </p:clrMapOvr>
+</p:sld>
+</file>
+
+<file path=ppt/slides/slide8.xml><?xml version="1.0" encoding="utf-8"?>
+<p:sld xmlns:a="http://schemas.openxmlformats.org/drawingml/2006/main" xmlns:r="http://schemas.openxmlformats.org/officeDocument/2006/relationships" xmlns:p="http://schemas.openxmlformats.org/presentationml/2006/main">
+  <p:cSld>
+    <p:spTree>
+      <p:nvGrpSpPr>
+        <p:cNvPr id="1" name=""/>
+        <p:cNvGrpSpPr/>
+        <p:nvPr/>
+      </p:nvGrpSpPr>
+      <p:grpSpPr>
+        <a:xfrm>
+          <a:off x="0" y="0"/>
+          <a:ext cx="0" cy="0"/>
+          <a:chOff x="0" y="0"/>
+          <a:chExt cx="0" cy="0"/>
+        </a:xfrm>
+      </p:grpSpPr>
+      <p:sp>
+        <p:nvSpPr>
           <p:cNvPr id="2" name="Title 1"/>
           <p:cNvSpPr>
             <a:spLocks noGrp="1"/>
@@ -30008,15 +30655,25 @@
               <a:rPr lang="en-US" sz="2000" dirty="0">
                 <a:hlinkClick r:id="rId3"/>
               </a:rPr>
-              <a:t>www.ev3lessons.com</a:t>
+              <a:t>www.ev3lessons.com,</a:t>
             </a:r>
             <a:r>
               <a:rPr lang="en-US" sz="2000" dirty="0"/>
-              <a:t> and </a:t>
+              <a:t> </a:t>
             </a:r>
             <a:r>
               <a:rPr lang="en-US" sz="2000" dirty="0">
                 <a:hlinkClick r:id="rId4"/>
+              </a:rPr>
+              <a:t>www.primelessons.org</a:t>
+            </a:r>
+            <a:r>
+              <a:rPr lang="en-US" sz="2000" dirty="0"/>
+              <a:t>, and </a:t>
+            </a:r>
+            <a:r>
+              <a:rPr lang="en-US" sz="2000" dirty="0">
+                <a:hlinkClick r:id="rId5"/>
               </a:rPr>
               <a:t>www.flltutorials.com</a:t>
             </a:r>
@@ -30048,7 +30705,7 @@
           <a:p>
             <a:r>
               <a:rPr lang="en-US"/>
-              <a:t>© 2018, FLL Tutorials, Last Edit 9/24/2018</a:t>
+              <a:t>© 2023, FLL Tutorials, Last Edit 5/29/2023</a:t>
             </a:r>
           </a:p>
         </p:txBody>
@@ -30078,7 +30735,7 @@
           <a:effectLst/>
           <a:extLst>
             <a:ext uri="{91240B29-F687-4f45-9708-019B960494DF}">
-              <a14:hiddenLine xmlns="" xmlns:a14="http://schemas.microsoft.com/office/drawing/2010/main" w="9525">
+              <a14:hiddenLine xmlns:a14="http://schemas.microsoft.com/office/drawing/2010/main" xmlns="" w="9525">
                 <a:solidFill>
                   <a:schemeClr val="tx1"/>
                 </a:solidFill>
@@ -30088,7 +30745,7 @@
               </a14:hiddenLine>
             </a:ext>
             <a:ext uri="{AF507438-7753-43e0-B8FC-AC1667EBCBE1}">
-              <a14:hiddenEffects xmlns="" xmlns:a14="http://schemas.microsoft.com/office/drawing/2010/main">
+              <a14:hiddenEffects xmlns:a14="http://schemas.microsoft.com/office/drawing/2010/main" xmlns="">
                 <a:effectLst>
                   <a:outerShdw dist="35921" dir="2700000" algn="ctr" rotWithShape="0">
                     <a:schemeClr val="bg2"/>
@@ -30297,7 +30954,7 @@
                 </a:solidFill>
                 <a:effectLst/>
                 <a:latin typeface="Helvetica Neue"/>
-                <a:hlinkClick r:id="rId5"/>
+                <a:hlinkClick r:id="rId6"/>
               </a:rPr>
               <a:t>Creative Commons Attribution-</a:t>
             </a:r>
@@ -30311,7 +30968,7 @@
                 </a:solidFill>
                 <a:effectLst/>
                 <a:latin typeface="Helvetica Neue"/>
-                <a:hlinkClick r:id="rId5"/>
+                <a:hlinkClick r:id="rId6"/>
               </a:rPr>
               <a:t>NonCommercial</a:t>
             </a:r>
@@ -30325,7 +30982,7 @@
                 </a:solidFill>
                 <a:effectLst/>
                 <a:latin typeface="Helvetica Neue"/>
-                <a:hlinkClick r:id="rId5"/>
+                <a:hlinkClick r:id="rId6"/>
               </a:rPr>
               <a:t>-</a:t>
             </a:r>
@@ -30339,7 +30996,7 @@
                 </a:solidFill>
                 <a:effectLst/>
                 <a:latin typeface="Helvetica Neue"/>
-                <a:hlinkClick r:id="rId5"/>
+                <a:hlinkClick r:id="rId6"/>
               </a:rPr>
               <a:t>ShareAlike</a:t>
             </a:r>
@@ -30353,7 +31010,7 @@
                 </a:solidFill>
                 <a:effectLst/>
                 <a:latin typeface="Helvetica Neue"/>
-                <a:hlinkClick r:id="rId5"/>
+                <a:hlinkClick r:id="rId6"/>
               </a:rPr>
               <a:t> 4.0 International License</a:t>
             </a:r>
@@ -30398,7 +31055,7 @@
       <p:pic>
         <p:nvPicPr>
           <p:cNvPr id="6" name="Picture 2" descr="Creative Commons License">
-            <a:hlinkClick r:id="rId5"/>
+            <a:hlinkClick r:id="rId6"/>
           </p:cNvPr>
           <p:cNvPicPr>
             <a:picLocks noChangeAspect="1" noChangeArrowheads="1"/>
@@ -30406,7 +31063,7 @@
           <p:nvPr/>
         </p:nvPicPr>
         <p:blipFill>
-          <a:blip r:embed="rId6">
+          <a:blip r:embed="rId7">
             <a:extLst>
               <a:ext uri="{28A0092B-C50C-407E-A947-70E740481C1C}">
                 <a14:useLocalDpi xmlns:a14="http://schemas.microsoft.com/office/drawing/2010/main"/>
@@ -30429,7 +31086,7 @@
           <a:noFill/>
           <a:extLst>
             <a:ext uri="{909E8E84-426E-40dd-AFC4-6F175D3DCCD1}">
-              <a14:hiddenFill xmlns="" xmlns:a14="http://schemas.microsoft.com/office/drawing/2010/main">
+              <a14:hiddenFill xmlns:a14="http://schemas.microsoft.com/office/drawing/2010/main" xmlns="">
                 <a:solidFill>
                   <a:srgbClr val="FFFFFF"/>
                 </a:solidFill>
@@ -30461,7 +31118,7 @@
           <a:p>
             <a:fld id="{4DBC7FC8-25FB-FC45-8177-2B991DA6778C}" type="slidenum">
               <a:rPr lang="en-US" smtClean="0"/>
-              <a:t>7</a:t>
+              <a:t>8</a:t>
             </a:fld>
             <a:endParaRPr lang="en-US" dirty="0"/>
           </a:p>
